--- a/part-02/02-homework.pptx
+++ b/part-02/02-homework.pptx
@@ -7,6 +7,11 @@
   <p:sldIdLst>
     <p:sldId id="257" r:id="rId2"/>
     <p:sldId id="256" r:id="rId3"/>
+    <p:sldId id="258" r:id="rId4"/>
+    <p:sldId id="259" r:id="rId5"/>
+    <p:sldId id="260" r:id="rId6"/>
+    <p:sldId id="262" r:id="rId7"/>
+    <p:sldId id="261" r:id="rId8"/>
   </p:sldIdLst>
   <p:sldSz cx="12192000" cy="6858000"/>
   <p:notesSz cx="6858000" cy="9144000"/>
@@ -3110,14 +3115,14 @@
           </a:prstGeom>
         </p:spPr>
         <p:style>
-          <a:lnRef idx="1">
-            <a:schemeClr val="accent5"/>
-          </a:lnRef>
-          <a:fillRef idx="3">
-            <a:schemeClr val="accent5"/>
-          </a:fillRef>
-          <a:effectRef idx="2">
-            <a:schemeClr val="accent5"/>
+          <a:lnRef idx="3">
+            <a:schemeClr val="lt1"/>
+          </a:lnRef>
+          <a:fillRef idx="1">
+            <a:schemeClr val="accent6"/>
+          </a:fillRef>
+          <a:effectRef idx="1">
+            <a:schemeClr val="accent6"/>
           </a:effectRef>
           <a:fontRef idx="minor">
             <a:schemeClr val="lt1"/>
@@ -3152,14 +3157,14 @@
           </a:prstGeom>
         </p:spPr>
         <p:style>
-          <a:lnRef idx="1">
-            <a:schemeClr val="accent5"/>
-          </a:lnRef>
-          <a:fillRef idx="3">
-            <a:schemeClr val="accent5"/>
-          </a:fillRef>
-          <a:effectRef idx="2">
-            <a:schemeClr val="accent5"/>
+          <a:lnRef idx="3">
+            <a:schemeClr val="lt1"/>
+          </a:lnRef>
+          <a:fillRef idx="1">
+            <a:schemeClr val="accent6"/>
+          </a:fillRef>
+          <a:effectRef idx="1">
+            <a:schemeClr val="accent6"/>
           </a:effectRef>
           <a:fontRef idx="minor">
             <a:schemeClr val="lt1"/>
@@ -3194,14 +3199,14 @@
           </a:prstGeom>
         </p:spPr>
         <p:style>
-          <a:lnRef idx="1">
-            <a:schemeClr val="accent5"/>
-          </a:lnRef>
-          <a:fillRef idx="3">
-            <a:schemeClr val="accent5"/>
-          </a:fillRef>
-          <a:effectRef idx="2">
-            <a:schemeClr val="accent5"/>
+          <a:lnRef idx="3">
+            <a:schemeClr val="lt1"/>
+          </a:lnRef>
+          <a:fillRef idx="1">
+            <a:schemeClr val="accent6"/>
+          </a:fillRef>
+          <a:effectRef idx="1">
+            <a:schemeClr val="accent6"/>
           </a:effectRef>
           <a:fontRef idx="minor">
             <a:schemeClr val="lt1"/>
@@ -3236,14 +3241,14 @@
           </a:prstGeom>
         </p:spPr>
         <p:style>
-          <a:lnRef idx="1">
-            <a:schemeClr val="accent5"/>
-          </a:lnRef>
-          <a:fillRef idx="3">
-            <a:schemeClr val="accent5"/>
-          </a:fillRef>
-          <a:effectRef idx="2">
-            <a:schemeClr val="accent5"/>
+          <a:lnRef idx="3">
+            <a:schemeClr val="lt1"/>
+          </a:lnRef>
+          <a:fillRef idx="1">
+            <a:schemeClr val="accent6"/>
+          </a:fillRef>
+          <a:effectRef idx="1">
+            <a:schemeClr val="accent6"/>
           </a:effectRef>
           <a:fontRef idx="minor">
             <a:schemeClr val="lt1"/>
@@ -3408,14 +3413,14 @@
           </a:prstGeom>
         </p:spPr>
         <p:style>
-          <a:lnRef idx="1">
-            <a:schemeClr val="accent5"/>
-          </a:lnRef>
-          <a:fillRef idx="3">
-            <a:schemeClr val="accent5"/>
-          </a:fillRef>
-          <a:effectRef idx="2">
-            <a:schemeClr val="accent5"/>
+          <a:lnRef idx="3">
+            <a:schemeClr val="lt1"/>
+          </a:lnRef>
+          <a:fillRef idx="1">
+            <a:schemeClr val="accent6"/>
+          </a:fillRef>
+          <a:effectRef idx="1">
+            <a:schemeClr val="accent6"/>
           </a:effectRef>
           <a:fontRef idx="minor">
             <a:schemeClr val="lt1"/>
@@ -3450,14 +3455,14 @@
           </a:prstGeom>
         </p:spPr>
         <p:style>
-          <a:lnRef idx="1">
-            <a:schemeClr val="accent5"/>
-          </a:lnRef>
-          <a:fillRef idx="3">
-            <a:schemeClr val="accent5"/>
-          </a:fillRef>
-          <a:effectRef idx="2">
-            <a:schemeClr val="accent5"/>
+          <a:lnRef idx="3">
+            <a:schemeClr val="lt1"/>
+          </a:lnRef>
+          <a:fillRef idx="1">
+            <a:schemeClr val="accent6"/>
+          </a:fillRef>
+          <a:effectRef idx="1">
+            <a:schemeClr val="accent6"/>
           </a:effectRef>
           <a:fontRef idx="minor">
             <a:schemeClr val="lt1"/>
@@ -3709,16 +3714,16 @@
         </p:spPr>
         <p:style>
           <a:lnRef idx="1">
-            <a:schemeClr val="accent5"/>
-          </a:lnRef>
-          <a:fillRef idx="3">
-            <a:schemeClr val="accent5"/>
-          </a:fillRef>
-          <a:effectRef idx="2">
-            <a:schemeClr val="accent5"/>
-          </a:effectRef>
-          <a:fontRef idx="minor">
-            <a:schemeClr val="lt1"/>
+            <a:schemeClr val="accent6"/>
+          </a:lnRef>
+          <a:fillRef idx="2">
+            <a:schemeClr val="accent6"/>
+          </a:fillRef>
+          <a:effectRef idx="1">
+            <a:schemeClr val="accent6"/>
+          </a:effectRef>
+          <a:fontRef idx="minor">
+            <a:schemeClr val="dk1"/>
           </a:fontRef>
         </p:style>
         <p:txBody>
@@ -3751,16 +3756,16 @@
         </p:spPr>
         <p:style>
           <a:lnRef idx="1">
-            <a:schemeClr val="accent5"/>
-          </a:lnRef>
-          <a:fillRef idx="3">
-            <a:schemeClr val="accent5"/>
-          </a:fillRef>
-          <a:effectRef idx="2">
-            <a:schemeClr val="accent5"/>
-          </a:effectRef>
-          <a:fontRef idx="minor">
-            <a:schemeClr val="lt1"/>
+            <a:schemeClr val="accent6"/>
+          </a:lnRef>
+          <a:fillRef idx="2">
+            <a:schemeClr val="accent6"/>
+          </a:fillRef>
+          <a:effectRef idx="1">
+            <a:schemeClr val="accent6"/>
+          </a:effectRef>
+          <a:fontRef idx="minor">
+            <a:schemeClr val="dk1"/>
           </a:fontRef>
         </p:style>
         <p:txBody>
@@ -3793,16 +3798,16 @@
         </p:spPr>
         <p:style>
           <a:lnRef idx="1">
-            <a:schemeClr val="accent5"/>
-          </a:lnRef>
-          <a:fillRef idx="3">
-            <a:schemeClr val="accent5"/>
-          </a:fillRef>
-          <a:effectRef idx="2">
-            <a:schemeClr val="accent5"/>
-          </a:effectRef>
-          <a:fontRef idx="minor">
-            <a:schemeClr val="lt1"/>
+            <a:schemeClr val="accent6"/>
+          </a:lnRef>
+          <a:fillRef idx="2">
+            <a:schemeClr val="accent6"/>
+          </a:fillRef>
+          <a:effectRef idx="1">
+            <a:schemeClr val="accent6"/>
+          </a:effectRef>
+          <a:fontRef idx="minor">
+            <a:schemeClr val="dk1"/>
           </a:fontRef>
         </p:style>
         <p:txBody>
@@ -3839,16 +3844,16 @@
         </p:spPr>
         <p:style>
           <a:lnRef idx="1">
-            <a:schemeClr val="accent5"/>
-          </a:lnRef>
-          <a:fillRef idx="3">
-            <a:schemeClr val="accent5"/>
-          </a:fillRef>
-          <a:effectRef idx="2">
-            <a:schemeClr val="accent5"/>
-          </a:effectRef>
-          <a:fontRef idx="minor">
-            <a:schemeClr val="lt1"/>
+            <a:schemeClr val="accent6"/>
+          </a:lnRef>
+          <a:fillRef idx="2">
+            <a:schemeClr val="accent6"/>
+          </a:fillRef>
+          <a:effectRef idx="1">
+            <a:schemeClr val="accent6"/>
+          </a:effectRef>
+          <a:fontRef idx="minor">
+            <a:schemeClr val="dk1"/>
           </a:fontRef>
         </p:style>
         <p:txBody>
@@ -3876,8 +3881,8 @@
         </p:nvSpPr>
         <p:spPr>
           <a:xfrm>
-            <a:off x="8767488" y="4120181"/>
-            <a:ext cx="1420010" cy="451821"/>
+            <a:off x="8616878" y="4155142"/>
+            <a:ext cx="1420010" cy="414172"/>
           </a:xfrm>
           <a:prstGeom prst="rect">
             <a:avLst/>
@@ -3885,16 +3890,16 @@
         </p:spPr>
         <p:style>
           <a:lnRef idx="1">
-            <a:schemeClr val="accent5"/>
-          </a:lnRef>
-          <a:fillRef idx="3">
-            <a:schemeClr val="accent5"/>
-          </a:fillRef>
-          <a:effectRef idx="2">
-            <a:schemeClr val="accent5"/>
-          </a:effectRef>
-          <a:fontRef idx="minor">
-            <a:schemeClr val="lt1"/>
+            <a:schemeClr val="accent6"/>
+          </a:lnRef>
+          <a:fillRef idx="2">
+            <a:schemeClr val="accent6"/>
+          </a:fillRef>
+          <a:effectRef idx="1">
+            <a:schemeClr val="accent6"/>
+          </a:effectRef>
+          <a:fontRef idx="minor">
+            <a:schemeClr val="dk1"/>
           </a:fontRef>
         </p:style>
         <p:txBody>
@@ -3918,7 +3923,7 @@
         </p:nvSpPr>
         <p:spPr>
           <a:xfrm>
-            <a:off x="8767488" y="4991551"/>
+            <a:off x="8616878" y="4970038"/>
             <a:ext cx="1420010" cy="451821"/>
           </a:xfrm>
           <a:prstGeom prst="rect">
@@ -3927,16 +3932,16 @@
         </p:spPr>
         <p:style>
           <a:lnRef idx="1">
-            <a:schemeClr val="accent5"/>
-          </a:lnRef>
-          <a:fillRef idx="3">
-            <a:schemeClr val="accent5"/>
-          </a:fillRef>
-          <a:effectRef idx="2">
-            <a:schemeClr val="accent5"/>
-          </a:effectRef>
-          <a:fontRef idx="minor">
-            <a:schemeClr val="lt1"/>
+            <a:schemeClr val="accent6"/>
+          </a:lnRef>
+          <a:fillRef idx="2">
+            <a:schemeClr val="accent6"/>
+          </a:fillRef>
+          <a:effectRef idx="1">
+            <a:schemeClr val="accent6"/>
+          </a:effectRef>
+          <a:fontRef idx="minor">
+            <a:schemeClr val="dk1"/>
           </a:fontRef>
         </p:style>
         <p:txBody>
@@ -4109,8 +4114,8 @@
         </p:nvCxnSpPr>
         <p:spPr>
           <a:xfrm flipV="1">
-            <a:off x="8068240" y="4346092"/>
-            <a:ext cx="699248" cy="21516"/>
+            <a:off x="8068240" y="4362228"/>
+            <a:ext cx="548638" cy="5380"/>
           </a:xfrm>
           <a:prstGeom prst="bentConnector3">
             <a:avLst/>
@@ -4118,41 +4123,6 @@
           <a:ln>
             <a:tailEnd type="triangle"/>
           </a:ln>
-        </p:spPr>
-        <p:style>
-          <a:lnRef idx="1">
-            <a:schemeClr val="accent5"/>
-          </a:lnRef>
-          <a:fillRef idx="3">
-            <a:schemeClr val="accent5"/>
-          </a:fillRef>
-          <a:effectRef idx="2">
-            <a:schemeClr val="accent5"/>
-          </a:effectRef>
-          <a:fontRef idx="minor">
-            <a:schemeClr val="lt1"/>
-          </a:fontRef>
-        </p:style>
-      </p:cxnSp>
-      <p:cxnSp>
-        <p:nvCxnSpPr>
-          <p:cNvPr id="54" name="肘形连接符 53"/>
-          <p:cNvCxnSpPr>
-            <a:stCxn id="6" idx="3"/>
-            <a:endCxn id="7" idx="3"/>
-          </p:cNvCxnSpPr>
-          <p:nvPr/>
-        </p:nvCxnSpPr>
-        <p:spPr>
-          <a:xfrm>
-            <a:off x="8068240" y="4367608"/>
-            <a:ext cx="12700" cy="871369"/>
-          </a:xfrm>
-          <a:prstGeom prst="bentConnector3">
-            <a:avLst>
-              <a:gd name="adj1" fmla="val 1800000"/>
-            </a:avLst>
-          </a:prstGeom>
         </p:spPr>
         <p:style>
           <a:lnRef idx="1">
@@ -4178,9 +4148,9 @@
           <p:nvPr/>
         </p:nvCxnSpPr>
         <p:spPr>
-          <a:xfrm flipV="1">
-            <a:off x="8261878" y="5217462"/>
-            <a:ext cx="505610" cy="21514"/>
+          <a:xfrm>
+            <a:off x="7799291" y="5195948"/>
+            <a:ext cx="817587" cy="1"/>
           </a:xfrm>
           <a:prstGeom prst="bentConnector3">
             <a:avLst/>
@@ -4214,8 +4184,8 @@
         </p:nvSpPr>
         <p:spPr>
           <a:xfrm>
-            <a:off x="0" y="248337"/>
-            <a:ext cx="7403954" cy="614372"/>
+            <a:off x="147918" y="-5378"/>
+            <a:ext cx="6693950" cy="796067"/>
           </a:xfrm>
           <a:prstGeom prst="rect">
             <a:avLst/>
@@ -4245,6 +4215,7 @@
             </a:lvl1pPr>
           </a:lstStyle>
           <a:p>
+            <a:pPr algn="l"/>
             <a:r>
               <a:rPr lang="zh-CN" altLang="en-US" sz="3200" b="1" dirty="0" smtClean="0"/>
               <a:t>微信朋友圈高性能复杂度对应思路</a:t>
@@ -4257,6 +4228,2562 @@
     <p:extLst>
       <p:ext uri="{BB962C8B-B14F-4D97-AF65-F5344CB8AC3E}">
         <p14:creationId xmlns:p14="http://schemas.microsoft.com/office/powerpoint/2010/main" val="3757131221"/>
+      </p:ext>
+    </p:extLst>
+  </p:cSld>
+  <p:clrMapOvr>
+    <a:masterClrMapping/>
+  </p:clrMapOvr>
+</p:sld>
+</file>
+
+<file path=ppt/slides/slide3.xml><?xml version="1.0" encoding="utf-8"?>
+<p:sld xmlns:a="http://schemas.openxmlformats.org/drawingml/2006/main" xmlns:r="http://schemas.openxmlformats.org/officeDocument/2006/relationships" xmlns:p="http://schemas.openxmlformats.org/presentationml/2006/main">
+  <p:cSld>
+    <p:spTree>
+      <p:nvGrpSpPr>
+        <p:cNvPr id="1" name=""/>
+        <p:cNvGrpSpPr/>
+        <p:nvPr/>
+      </p:nvGrpSpPr>
+      <p:grpSpPr>
+        <a:xfrm>
+          <a:off x="0" y="0"/>
+          <a:ext cx="0" cy="0"/>
+          <a:chOff x="0" y="0"/>
+          <a:chExt cx="0" cy="0"/>
+        </a:xfrm>
+      </p:grpSpPr>
+      <p:sp>
+        <p:nvSpPr>
+          <p:cNvPr id="2" name="标题 1"/>
+          <p:cNvSpPr>
+            <a:spLocks noGrp="1"/>
+          </p:cNvSpPr>
+          <p:nvPr>
+            <p:ph type="title"/>
+          </p:nvPr>
+        </p:nvSpPr>
+        <p:spPr>
+          <a:xfrm>
+            <a:off x="365762" y="47226"/>
+            <a:ext cx="4023360" cy="1265209"/>
+          </a:xfrm>
+        </p:spPr>
+        <p:txBody>
+          <a:bodyPr>
+            <a:normAutofit/>
+          </a:bodyPr>
+          <a:lstStyle/>
+          <a:p>
+            <a:r>
+              <a:rPr lang="zh-CN" altLang="en-US" sz="3200" dirty="0" smtClean="0"/>
+              <a:t>发朋友圈</a:t>
+            </a:r>
+            <a:endParaRPr lang="zh-CN" altLang="en-US" sz="3200" dirty="0"/>
+          </a:p>
+        </p:txBody>
+      </p:sp>
+      <p:sp>
+        <p:nvSpPr>
+          <p:cNvPr id="5" name="矩形 4"/>
+          <p:cNvSpPr/>
+          <p:nvPr/>
+        </p:nvSpPr>
+        <p:spPr>
+          <a:xfrm>
+            <a:off x="3679117" y="2302139"/>
+            <a:ext cx="1420010" cy="451821"/>
+          </a:xfrm>
+          <a:prstGeom prst="rect">
+            <a:avLst/>
+          </a:prstGeom>
+        </p:spPr>
+        <p:style>
+          <a:lnRef idx="3">
+            <a:schemeClr val="lt1"/>
+          </a:lnRef>
+          <a:fillRef idx="1">
+            <a:schemeClr val="accent6"/>
+          </a:fillRef>
+          <a:effectRef idx="1">
+            <a:schemeClr val="accent6"/>
+          </a:effectRef>
+          <a:fontRef idx="minor">
+            <a:schemeClr val="lt1"/>
+          </a:fontRef>
+        </p:style>
+        <p:txBody>
+          <a:bodyPr rtlCol="0" anchor="ctr"/>
+          <a:lstStyle/>
+          <a:p>
+            <a:pPr algn="ctr"/>
+            <a:r>
+              <a:rPr lang="zh-CN" altLang="en-US" b="1" dirty="0" smtClean="0"/>
+              <a:t>单机</a:t>
+            </a:r>
+            <a:endParaRPr lang="en-US" altLang="zh-CN" b="1" dirty="0" smtClean="0"/>
+          </a:p>
+        </p:txBody>
+      </p:sp>
+      <p:sp>
+        <p:nvSpPr>
+          <p:cNvPr id="6" name="矩形 5"/>
+          <p:cNvSpPr/>
+          <p:nvPr/>
+        </p:nvSpPr>
+        <p:spPr>
+          <a:xfrm>
+            <a:off x="3679117" y="4561245"/>
+            <a:ext cx="1420010" cy="451821"/>
+          </a:xfrm>
+          <a:prstGeom prst="rect">
+            <a:avLst/>
+          </a:prstGeom>
+        </p:spPr>
+        <p:style>
+          <a:lnRef idx="3">
+            <a:schemeClr val="lt1"/>
+          </a:lnRef>
+          <a:fillRef idx="1">
+            <a:schemeClr val="accent6"/>
+          </a:fillRef>
+          <a:effectRef idx="1">
+            <a:schemeClr val="accent6"/>
+          </a:effectRef>
+          <a:fontRef idx="minor">
+            <a:schemeClr val="lt1"/>
+          </a:fontRef>
+        </p:style>
+        <p:txBody>
+          <a:bodyPr rtlCol="0" anchor="ctr"/>
+          <a:lstStyle/>
+          <a:p>
+            <a:pPr algn="ctr"/>
+            <a:r>
+              <a:rPr lang="zh-CN" altLang="en-US" b="1" dirty="0" smtClean="0"/>
+              <a:t>集群</a:t>
+            </a:r>
+            <a:endParaRPr lang="en-US" altLang="zh-CN" b="1" dirty="0" smtClean="0"/>
+          </a:p>
+        </p:txBody>
+      </p:sp>
+      <p:sp>
+        <p:nvSpPr>
+          <p:cNvPr id="7" name="矩形 6"/>
+          <p:cNvSpPr/>
+          <p:nvPr/>
+        </p:nvSpPr>
+        <p:spPr>
+          <a:xfrm>
+            <a:off x="5529433" y="4141697"/>
+            <a:ext cx="1420010" cy="451821"/>
+          </a:xfrm>
+          <a:prstGeom prst="rect">
+            <a:avLst/>
+          </a:prstGeom>
+        </p:spPr>
+        <p:style>
+          <a:lnRef idx="3">
+            <a:schemeClr val="lt1"/>
+          </a:lnRef>
+          <a:fillRef idx="1">
+            <a:schemeClr val="accent6"/>
+          </a:fillRef>
+          <a:effectRef idx="1">
+            <a:schemeClr val="accent6"/>
+          </a:effectRef>
+          <a:fontRef idx="minor">
+            <a:schemeClr val="lt1"/>
+          </a:fontRef>
+        </p:style>
+        <p:txBody>
+          <a:bodyPr rtlCol="0" anchor="ctr"/>
+          <a:lstStyle/>
+          <a:p>
+            <a:pPr algn="ctr"/>
+            <a:r>
+              <a:rPr lang="zh-CN" altLang="en-US" b="1" dirty="0" smtClean="0"/>
+              <a:t>计算高性能</a:t>
+            </a:r>
+            <a:endParaRPr lang="en-US" altLang="zh-CN" b="1" dirty="0" smtClean="0"/>
+          </a:p>
+        </p:txBody>
+      </p:sp>
+      <p:sp>
+        <p:nvSpPr>
+          <p:cNvPr id="8" name="矩形 7"/>
+          <p:cNvSpPr/>
+          <p:nvPr/>
+        </p:nvSpPr>
+        <p:spPr>
+          <a:xfrm>
+            <a:off x="5529433" y="5013066"/>
+            <a:ext cx="1420010" cy="451821"/>
+          </a:xfrm>
+          <a:prstGeom prst="rect">
+            <a:avLst/>
+          </a:prstGeom>
+        </p:spPr>
+        <p:style>
+          <a:lnRef idx="3">
+            <a:schemeClr val="lt1"/>
+          </a:lnRef>
+          <a:fillRef idx="1">
+            <a:schemeClr val="accent6"/>
+          </a:fillRef>
+          <a:effectRef idx="1">
+            <a:schemeClr val="accent6"/>
+          </a:effectRef>
+          <a:fontRef idx="minor">
+            <a:schemeClr val="lt1"/>
+          </a:fontRef>
+        </p:style>
+        <p:txBody>
+          <a:bodyPr rtlCol="0" anchor="ctr"/>
+          <a:lstStyle/>
+          <a:p>
+            <a:pPr algn="ctr"/>
+            <a:r>
+              <a:rPr lang="zh-CN" altLang="en-US" b="1" dirty="0" smtClean="0"/>
+              <a:t>存储高性能</a:t>
+            </a:r>
+            <a:endParaRPr lang="en-US" altLang="zh-CN" b="1" dirty="0" smtClean="0"/>
+          </a:p>
+        </p:txBody>
+      </p:sp>
+      <p:sp>
+        <p:nvSpPr>
+          <p:cNvPr id="9" name="椭圆 8"/>
+          <p:cNvSpPr/>
+          <p:nvPr/>
+        </p:nvSpPr>
+        <p:spPr>
+          <a:xfrm>
+            <a:off x="548643" y="3307978"/>
+            <a:ext cx="1914862" cy="527125"/>
+          </a:xfrm>
+          <a:prstGeom prst="ellipse">
+            <a:avLst/>
+          </a:prstGeom>
+        </p:spPr>
+        <p:style>
+          <a:lnRef idx="1">
+            <a:schemeClr val="accent2"/>
+          </a:lnRef>
+          <a:fillRef idx="3">
+            <a:schemeClr val="accent2"/>
+          </a:fillRef>
+          <a:effectRef idx="2">
+            <a:schemeClr val="accent2"/>
+          </a:effectRef>
+          <a:fontRef idx="minor">
+            <a:schemeClr val="lt1"/>
+          </a:fontRef>
+        </p:style>
+        <p:txBody>
+          <a:bodyPr rtlCol="0" anchor="ctr"/>
+          <a:lstStyle/>
+          <a:p>
+            <a:pPr algn="ctr"/>
+            <a:r>
+              <a:rPr lang="zh-CN" altLang="en-US" b="1" dirty="0" smtClean="0"/>
+              <a:t>发朋友圈</a:t>
+            </a:r>
+            <a:endParaRPr lang="zh-CN" altLang="en-US" b="1" dirty="0"/>
+          </a:p>
+        </p:txBody>
+      </p:sp>
+      <p:sp>
+        <p:nvSpPr>
+          <p:cNvPr id="12" name="矩形 11"/>
+          <p:cNvSpPr/>
+          <p:nvPr/>
+        </p:nvSpPr>
+        <p:spPr>
+          <a:xfrm>
+            <a:off x="5572464" y="1484558"/>
+            <a:ext cx="1420010" cy="451821"/>
+          </a:xfrm>
+          <a:prstGeom prst="rect">
+            <a:avLst/>
+          </a:prstGeom>
+        </p:spPr>
+        <p:style>
+          <a:lnRef idx="3">
+            <a:schemeClr val="lt1"/>
+          </a:lnRef>
+          <a:fillRef idx="1">
+            <a:schemeClr val="accent6"/>
+          </a:fillRef>
+          <a:effectRef idx="1">
+            <a:schemeClr val="accent6"/>
+          </a:effectRef>
+          <a:fontRef idx="minor">
+            <a:schemeClr val="lt1"/>
+          </a:fontRef>
+        </p:style>
+        <p:txBody>
+          <a:bodyPr rtlCol="0" anchor="ctr"/>
+          <a:lstStyle/>
+          <a:p>
+            <a:pPr algn="ctr"/>
+            <a:r>
+              <a:rPr lang="zh-CN" altLang="en-US" b="1" dirty="0" smtClean="0"/>
+              <a:t>计算高性能</a:t>
+            </a:r>
+            <a:endParaRPr lang="en-US" altLang="zh-CN" b="1" dirty="0" smtClean="0"/>
+          </a:p>
+        </p:txBody>
+      </p:sp>
+      <p:sp>
+        <p:nvSpPr>
+          <p:cNvPr id="13" name="矩形 12"/>
+          <p:cNvSpPr/>
+          <p:nvPr/>
+        </p:nvSpPr>
+        <p:spPr>
+          <a:xfrm>
+            <a:off x="5572464" y="2732444"/>
+            <a:ext cx="1420010" cy="451821"/>
+          </a:xfrm>
+          <a:prstGeom prst="rect">
+            <a:avLst/>
+          </a:prstGeom>
+        </p:spPr>
+        <p:style>
+          <a:lnRef idx="3">
+            <a:schemeClr val="lt1"/>
+          </a:lnRef>
+          <a:fillRef idx="1">
+            <a:schemeClr val="accent6"/>
+          </a:fillRef>
+          <a:effectRef idx="1">
+            <a:schemeClr val="accent6"/>
+          </a:effectRef>
+          <a:fontRef idx="minor">
+            <a:schemeClr val="lt1"/>
+          </a:fontRef>
+        </p:style>
+        <p:txBody>
+          <a:bodyPr rtlCol="0" anchor="ctr"/>
+          <a:lstStyle/>
+          <a:p>
+            <a:pPr algn="ctr"/>
+            <a:r>
+              <a:rPr lang="zh-CN" altLang="en-US" b="1" dirty="0" smtClean="0"/>
+              <a:t>存储高性能</a:t>
+            </a:r>
+            <a:endParaRPr lang="en-US" altLang="zh-CN" b="1" dirty="0" smtClean="0"/>
+          </a:p>
+        </p:txBody>
+      </p:sp>
+      <p:cxnSp>
+        <p:nvCxnSpPr>
+          <p:cNvPr id="14" name="肘形连接符 13"/>
+          <p:cNvCxnSpPr>
+            <a:stCxn id="5" idx="3"/>
+            <a:endCxn id="12" idx="1"/>
+          </p:cNvCxnSpPr>
+          <p:nvPr/>
+        </p:nvCxnSpPr>
+        <p:spPr>
+          <a:xfrm flipV="1">
+            <a:off x="5099127" y="1710469"/>
+            <a:ext cx="473337" cy="817581"/>
+          </a:xfrm>
+          <a:prstGeom prst="bentConnector3">
+            <a:avLst/>
+          </a:prstGeom>
+          <a:ln>
+            <a:tailEnd type="triangle"/>
+          </a:ln>
+        </p:spPr>
+        <p:style>
+          <a:lnRef idx="1">
+            <a:schemeClr val="accent5"/>
+          </a:lnRef>
+          <a:fillRef idx="3">
+            <a:schemeClr val="accent5"/>
+          </a:fillRef>
+          <a:effectRef idx="2">
+            <a:schemeClr val="accent5"/>
+          </a:effectRef>
+          <a:fontRef idx="minor">
+            <a:schemeClr val="lt1"/>
+          </a:fontRef>
+        </p:style>
+      </p:cxnSp>
+      <p:cxnSp>
+        <p:nvCxnSpPr>
+          <p:cNvPr id="15" name="肘形连接符 14"/>
+          <p:cNvCxnSpPr>
+            <a:stCxn id="5" idx="3"/>
+            <a:endCxn id="13" idx="1"/>
+          </p:cNvCxnSpPr>
+          <p:nvPr/>
+        </p:nvCxnSpPr>
+        <p:spPr>
+          <a:xfrm>
+            <a:off x="5099127" y="2528050"/>
+            <a:ext cx="473337" cy="430305"/>
+          </a:xfrm>
+          <a:prstGeom prst="bentConnector3">
+            <a:avLst/>
+          </a:prstGeom>
+          <a:ln>
+            <a:tailEnd type="triangle"/>
+          </a:ln>
+        </p:spPr>
+        <p:style>
+          <a:lnRef idx="1">
+            <a:schemeClr val="accent5"/>
+          </a:lnRef>
+          <a:fillRef idx="3">
+            <a:schemeClr val="accent5"/>
+          </a:fillRef>
+          <a:effectRef idx="2">
+            <a:schemeClr val="accent5"/>
+          </a:effectRef>
+          <a:fontRef idx="minor">
+            <a:schemeClr val="lt1"/>
+          </a:fontRef>
+        </p:style>
+      </p:cxnSp>
+      <p:cxnSp>
+        <p:nvCxnSpPr>
+          <p:cNvPr id="16" name="肘形连接符 15"/>
+          <p:cNvCxnSpPr>
+            <a:stCxn id="6" idx="3"/>
+            <a:endCxn id="7" idx="1"/>
+          </p:cNvCxnSpPr>
+          <p:nvPr/>
+        </p:nvCxnSpPr>
+        <p:spPr>
+          <a:xfrm flipV="1">
+            <a:off x="5099127" y="4367608"/>
+            <a:ext cx="430306" cy="419548"/>
+          </a:xfrm>
+          <a:prstGeom prst="bentConnector3">
+            <a:avLst/>
+          </a:prstGeom>
+          <a:ln>
+            <a:tailEnd type="triangle"/>
+          </a:ln>
+        </p:spPr>
+        <p:style>
+          <a:lnRef idx="1">
+            <a:schemeClr val="accent5"/>
+          </a:lnRef>
+          <a:fillRef idx="3">
+            <a:schemeClr val="accent5"/>
+          </a:fillRef>
+          <a:effectRef idx="2">
+            <a:schemeClr val="accent5"/>
+          </a:effectRef>
+          <a:fontRef idx="minor">
+            <a:schemeClr val="lt1"/>
+          </a:fontRef>
+        </p:style>
+      </p:cxnSp>
+      <p:cxnSp>
+        <p:nvCxnSpPr>
+          <p:cNvPr id="17" name="肘形连接符 16"/>
+          <p:cNvCxnSpPr>
+            <a:stCxn id="6" idx="3"/>
+            <a:endCxn id="8" idx="1"/>
+          </p:cNvCxnSpPr>
+          <p:nvPr/>
+        </p:nvCxnSpPr>
+        <p:spPr>
+          <a:xfrm>
+            <a:off x="5099127" y="4787156"/>
+            <a:ext cx="430306" cy="451821"/>
+          </a:xfrm>
+          <a:prstGeom prst="bentConnector3">
+            <a:avLst/>
+          </a:prstGeom>
+          <a:ln>
+            <a:tailEnd type="triangle"/>
+          </a:ln>
+        </p:spPr>
+        <p:style>
+          <a:lnRef idx="1">
+            <a:schemeClr val="accent5"/>
+          </a:lnRef>
+          <a:fillRef idx="3">
+            <a:schemeClr val="accent5"/>
+          </a:fillRef>
+          <a:effectRef idx="2">
+            <a:schemeClr val="accent5"/>
+          </a:effectRef>
+          <a:fontRef idx="minor">
+            <a:schemeClr val="lt1"/>
+          </a:fontRef>
+        </p:style>
+      </p:cxnSp>
+      <p:cxnSp>
+        <p:nvCxnSpPr>
+          <p:cNvPr id="18" name="肘形连接符 17"/>
+          <p:cNvCxnSpPr>
+            <a:endCxn id="5" idx="1"/>
+          </p:cNvCxnSpPr>
+          <p:nvPr/>
+        </p:nvCxnSpPr>
+        <p:spPr>
+          <a:xfrm flipV="1">
+            <a:off x="2463505" y="2528050"/>
+            <a:ext cx="1215612" cy="1043491"/>
+          </a:xfrm>
+          <a:prstGeom prst="bentConnector3">
+            <a:avLst/>
+          </a:prstGeom>
+          <a:ln>
+            <a:tailEnd type="triangle"/>
+          </a:ln>
+        </p:spPr>
+        <p:style>
+          <a:lnRef idx="1">
+            <a:schemeClr val="accent1"/>
+          </a:lnRef>
+          <a:fillRef idx="0">
+            <a:schemeClr val="accent1"/>
+          </a:fillRef>
+          <a:effectRef idx="0">
+            <a:schemeClr val="accent1"/>
+          </a:effectRef>
+          <a:fontRef idx="minor">
+            <a:schemeClr val="tx1"/>
+          </a:fontRef>
+        </p:style>
+      </p:cxnSp>
+      <p:cxnSp>
+        <p:nvCxnSpPr>
+          <p:cNvPr id="19" name="肘形连接符 18"/>
+          <p:cNvCxnSpPr>
+            <a:endCxn id="6" idx="1"/>
+          </p:cNvCxnSpPr>
+          <p:nvPr/>
+        </p:nvCxnSpPr>
+        <p:spPr>
+          <a:xfrm>
+            <a:off x="2463505" y="3571541"/>
+            <a:ext cx="1215612" cy="1215615"/>
+          </a:xfrm>
+          <a:prstGeom prst="bentConnector3">
+            <a:avLst/>
+          </a:prstGeom>
+          <a:ln>
+            <a:tailEnd type="triangle"/>
+          </a:ln>
+        </p:spPr>
+        <p:style>
+          <a:lnRef idx="1">
+            <a:schemeClr val="accent1"/>
+          </a:lnRef>
+          <a:fillRef idx="0">
+            <a:schemeClr val="accent1"/>
+          </a:fillRef>
+          <a:effectRef idx="0">
+            <a:schemeClr val="accent1"/>
+          </a:effectRef>
+          <a:fontRef idx="minor">
+            <a:schemeClr val="tx1"/>
+          </a:fontRef>
+        </p:style>
+      </p:cxnSp>
+      <p:sp>
+        <p:nvSpPr>
+          <p:cNvPr id="20" name="矩形 19"/>
+          <p:cNvSpPr/>
+          <p:nvPr/>
+        </p:nvSpPr>
+        <p:spPr>
+          <a:xfrm>
+            <a:off x="7498081" y="822963"/>
+            <a:ext cx="1420010" cy="451821"/>
+          </a:xfrm>
+          <a:prstGeom prst="rect">
+            <a:avLst/>
+          </a:prstGeom>
+        </p:spPr>
+        <p:style>
+          <a:lnRef idx="0">
+            <a:schemeClr val="accent3"/>
+          </a:lnRef>
+          <a:fillRef idx="3">
+            <a:schemeClr val="accent3"/>
+          </a:fillRef>
+          <a:effectRef idx="3">
+            <a:schemeClr val="accent3"/>
+          </a:effectRef>
+          <a:fontRef idx="minor">
+            <a:schemeClr val="lt1"/>
+          </a:fontRef>
+        </p:style>
+        <p:txBody>
+          <a:bodyPr rtlCol="0" anchor="ctr"/>
+          <a:lstStyle/>
+          <a:p>
+            <a:pPr algn="ctr"/>
+            <a:r>
+              <a:rPr lang="zh-CN" altLang="en-US" b="1" dirty="0" smtClean="0"/>
+              <a:t>进程模型</a:t>
+            </a:r>
+            <a:endParaRPr lang="en-US" altLang="zh-CN" b="1" dirty="0" smtClean="0"/>
+          </a:p>
+        </p:txBody>
+      </p:sp>
+      <p:sp>
+        <p:nvSpPr>
+          <p:cNvPr id="21" name="矩形 20"/>
+          <p:cNvSpPr/>
+          <p:nvPr/>
+        </p:nvSpPr>
+        <p:spPr>
+          <a:xfrm>
+            <a:off x="7498081" y="2076229"/>
+            <a:ext cx="1420010" cy="451821"/>
+          </a:xfrm>
+          <a:prstGeom prst="rect">
+            <a:avLst/>
+          </a:prstGeom>
+        </p:spPr>
+        <p:style>
+          <a:lnRef idx="1">
+            <a:schemeClr val="accent6"/>
+          </a:lnRef>
+          <a:fillRef idx="2">
+            <a:schemeClr val="accent6"/>
+          </a:fillRef>
+          <a:effectRef idx="1">
+            <a:schemeClr val="accent6"/>
+          </a:effectRef>
+          <a:fontRef idx="minor">
+            <a:schemeClr val="dk1"/>
+          </a:fontRef>
+        </p:style>
+        <p:txBody>
+          <a:bodyPr rtlCol="0" anchor="ctr"/>
+          <a:lstStyle/>
+          <a:p>
+            <a:pPr algn="ctr"/>
+            <a:r>
+              <a:rPr lang="zh-CN" altLang="en-US" b="1" dirty="0" smtClean="0"/>
+              <a:t>缓存模型</a:t>
+            </a:r>
+            <a:endParaRPr lang="en-US" altLang="zh-CN" b="1" dirty="0" smtClean="0"/>
+          </a:p>
+        </p:txBody>
+      </p:sp>
+      <p:sp>
+        <p:nvSpPr>
+          <p:cNvPr id="22" name="矩形 21"/>
+          <p:cNvSpPr/>
+          <p:nvPr/>
+        </p:nvSpPr>
+        <p:spPr>
+          <a:xfrm>
+            <a:off x="7498081" y="1481869"/>
+            <a:ext cx="1420010" cy="451821"/>
+          </a:xfrm>
+          <a:prstGeom prst="rect">
+            <a:avLst/>
+          </a:prstGeom>
+        </p:spPr>
+        <p:style>
+          <a:lnRef idx="0">
+            <a:schemeClr val="accent3"/>
+          </a:lnRef>
+          <a:fillRef idx="3">
+            <a:schemeClr val="accent3"/>
+          </a:fillRef>
+          <a:effectRef idx="3">
+            <a:schemeClr val="accent3"/>
+          </a:effectRef>
+          <a:fontRef idx="minor">
+            <a:schemeClr val="lt1"/>
+          </a:fontRef>
+        </p:style>
+        <p:txBody>
+          <a:bodyPr rtlCol="0" anchor="ctr"/>
+          <a:lstStyle/>
+          <a:p>
+            <a:pPr algn="ctr"/>
+            <a:r>
+              <a:rPr lang="zh-CN" altLang="en-US" b="1" dirty="0"/>
+              <a:t>网络</a:t>
+            </a:r>
+            <a:r>
+              <a:rPr lang="zh-CN" altLang="en-US" b="1" dirty="0" smtClean="0"/>
+              <a:t>模型</a:t>
+            </a:r>
+            <a:endParaRPr lang="en-US" altLang="zh-CN" b="1" dirty="0" smtClean="0"/>
+          </a:p>
+        </p:txBody>
+      </p:sp>
+      <p:sp>
+        <p:nvSpPr>
+          <p:cNvPr id="23" name="矩形 22"/>
+          <p:cNvSpPr/>
+          <p:nvPr/>
+        </p:nvSpPr>
+        <p:spPr>
+          <a:xfrm>
+            <a:off x="7498081" y="2725719"/>
+            <a:ext cx="1420010" cy="451821"/>
+          </a:xfrm>
+          <a:prstGeom prst="rect">
+            <a:avLst/>
+          </a:prstGeom>
+        </p:spPr>
+        <p:style>
+          <a:lnRef idx="1">
+            <a:schemeClr val="accent6"/>
+          </a:lnRef>
+          <a:fillRef idx="2">
+            <a:schemeClr val="accent6"/>
+          </a:fillRef>
+          <a:effectRef idx="1">
+            <a:schemeClr val="accent6"/>
+          </a:effectRef>
+          <a:fontRef idx="minor">
+            <a:schemeClr val="dk1"/>
+          </a:fontRef>
+        </p:style>
+        <p:txBody>
+          <a:bodyPr rtlCol="0" anchor="ctr"/>
+          <a:lstStyle/>
+          <a:p>
+            <a:pPr algn="ctr"/>
+            <a:r>
+              <a:rPr lang="zh-CN" altLang="en-US" b="1" dirty="0"/>
+              <a:t>存储</a:t>
+            </a:r>
+            <a:r>
+              <a:rPr lang="zh-CN" altLang="en-US" b="1" dirty="0" smtClean="0"/>
+              <a:t>模型</a:t>
+            </a:r>
+            <a:endParaRPr lang="en-US" altLang="zh-CN" b="1" dirty="0" smtClean="0"/>
+          </a:p>
+        </p:txBody>
+      </p:sp>
+      <p:sp>
+        <p:nvSpPr>
+          <p:cNvPr id="24" name="矩形 23"/>
+          <p:cNvSpPr/>
+          <p:nvPr/>
+        </p:nvSpPr>
+        <p:spPr>
+          <a:xfrm>
+            <a:off x="7498081" y="4141700"/>
+            <a:ext cx="1420010" cy="451821"/>
+          </a:xfrm>
+          <a:prstGeom prst="rect">
+            <a:avLst/>
+          </a:prstGeom>
+        </p:spPr>
+        <p:style>
+          <a:lnRef idx="1">
+            <a:schemeClr val="accent6"/>
+          </a:lnRef>
+          <a:fillRef idx="2">
+            <a:schemeClr val="accent6"/>
+          </a:fillRef>
+          <a:effectRef idx="1">
+            <a:schemeClr val="accent6"/>
+          </a:effectRef>
+          <a:fontRef idx="minor">
+            <a:schemeClr val="dk1"/>
+          </a:fontRef>
+        </p:style>
+        <p:txBody>
+          <a:bodyPr rtlCol="0" anchor="ctr"/>
+          <a:lstStyle/>
+          <a:p>
+            <a:pPr algn="ctr"/>
+            <a:r>
+              <a:rPr lang="zh-CN" altLang="en-US" b="1" dirty="0" smtClean="0"/>
+              <a:t>任务分配</a:t>
+            </a:r>
+            <a:endParaRPr lang="en-US" altLang="zh-CN" b="1" dirty="0" smtClean="0"/>
+          </a:p>
+        </p:txBody>
+      </p:sp>
+      <p:sp>
+        <p:nvSpPr>
+          <p:cNvPr id="25" name="矩形 24"/>
+          <p:cNvSpPr/>
+          <p:nvPr/>
+        </p:nvSpPr>
+        <p:spPr>
+          <a:xfrm>
+            <a:off x="7498081" y="4970038"/>
+            <a:ext cx="1420010" cy="451821"/>
+          </a:xfrm>
+          <a:prstGeom prst="rect">
+            <a:avLst/>
+          </a:prstGeom>
+        </p:spPr>
+        <p:style>
+          <a:lnRef idx="1">
+            <a:schemeClr val="accent6"/>
+          </a:lnRef>
+          <a:fillRef idx="2">
+            <a:schemeClr val="accent6"/>
+          </a:fillRef>
+          <a:effectRef idx="1">
+            <a:schemeClr val="accent6"/>
+          </a:effectRef>
+          <a:fontRef idx="minor">
+            <a:schemeClr val="dk1"/>
+          </a:fontRef>
+        </p:style>
+        <p:txBody>
+          <a:bodyPr rtlCol="0" anchor="ctr"/>
+          <a:lstStyle/>
+          <a:p>
+            <a:pPr algn="ctr"/>
+            <a:r>
+              <a:rPr lang="zh-CN" altLang="en-US" b="1" dirty="0" smtClean="0"/>
+              <a:t>任务分解</a:t>
+            </a:r>
+            <a:endParaRPr lang="en-US" altLang="zh-CN" b="1" dirty="0" smtClean="0"/>
+          </a:p>
+        </p:txBody>
+      </p:sp>
+      <p:cxnSp>
+        <p:nvCxnSpPr>
+          <p:cNvPr id="26" name="肘形连接符 25"/>
+          <p:cNvCxnSpPr>
+            <a:stCxn id="12" idx="3"/>
+            <a:endCxn id="20" idx="1"/>
+          </p:cNvCxnSpPr>
+          <p:nvPr/>
+        </p:nvCxnSpPr>
+        <p:spPr>
+          <a:xfrm flipV="1">
+            <a:off x="6992474" y="1048874"/>
+            <a:ext cx="505607" cy="661595"/>
+          </a:xfrm>
+          <a:prstGeom prst="bentConnector3">
+            <a:avLst>
+              <a:gd name="adj1" fmla="val 50000"/>
+            </a:avLst>
+          </a:prstGeom>
+          <a:ln>
+            <a:tailEnd type="triangle"/>
+          </a:ln>
+        </p:spPr>
+        <p:style>
+          <a:lnRef idx="1">
+            <a:schemeClr val="accent5"/>
+          </a:lnRef>
+          <a:fillRef idx="3">
+            <a:schemeClr val="accent5"/>
+          </a:fillRef>
+          <a:effectRef idx="2">
+            <a:schemeClr val="accent5"/>
+          </a:effectRef>
+          <a:fontRef idx="minor">
+            <a:schemeClr val="lt1"/>
+          </a:fontRef>
+        </p:style>
+      </p:cxnSp>
+      <p:cxnSp>
+        <p:nvCxnSpPr>
+          <p:cNvPr id="27" name="肘形连接符 26"/>
+          <p:cNvCxnSpPr>
+            <a:stCxn id="12" idx="3"/>
+            <a:endCxn id="22" idx="1"/>
+          </p:cNvCxnSpPr>
+          <p:nvPr/>
+        </p:nvCxnSpPr>
+        <p:spPr>
+          <a:xfrm flipV="1">
+            <a:off x="6992474" y="1707780"/>
+            <a:ext cx="505607" cy="2689"/>
+          </a:xfrm>
+          <a:prstGeom prst="bentConnector3">
+            <a:avLst/>
+          </a:prstGeom>
+          <a:ln>
+            <a:tailEnd type="triangle"/>
+          </a:ln>
+        </p:spPr>
+        <p:style>
+          <a:lnRef idx="1">
+            <a:schemeClr val="accent5"/>
+          </a:lnRef>
+          <a:fillRef idx="3">
+            <a:schemeClr val="accent5"/>
+          </a:fillRef>
+          <a:effectRef idx="2">
+            <a:schemeClr val="accent5"/>
+          </a:effectRef>
+          <a:fontRef idx="minor">
+            <a:schemeClr val="lt1"/>
+          </a:fontRef>
+        </p:style>
+      </p:cxnSp>
+      <p:cxnSp>
+        <p:nvCxnSpPr>
+          <p:cNvPr id="28" name="肘形连接符 27"/>
+          <p:cNvCxnSpPr>
+            <a:stCxn id="12" idx="3"/>
+            <a:endCxn id="21" idx="1"/>
+          </p:cNvCxnSpPr>
+          <p:nvPr/>
+        </p:nvCxnSpPr>
+        <p:spPr>
+          <a:xfrm>
+            <a:off x="6992474" y="1710469"/>
+            <a:ext cx="505607" cy="591671"/>
+          </a:xfrm>
+          <a:prstGeom prst="bentConnector3">
+            <a:avLst/>
+          </a:prstGeom>
+          <a:ln>
+            <a:tailEnd type="triangle"/>
+          </a:ln>
+        </p:spPr>
+        <p:style>
+          <a:lnRef idx="1">
+            <a:schemeClr val="accent5"/>
+          </a:lnRef>
+          <a:fillRef idx="3">
+            <a:schemeClr val="accent5"/>
+          </a:fillRef>
+          <a:effectRef idx="2">
+            <a:schemeClr val="accent5"/>
+          </a:effectRef>
+          <a:fontRef idx="minor">
+            <a:schemeClr val="lt1"/>
+          </a:fontRef>
+        </p:style>
+      </p:cxnSp>
+      <p:cxnSp>
+        <p:nvCxnSpPr>
+          <p:cNvPr id="29" name="肘形连接符 28"/>
+          <p:cNvCxnSpPr>
+            <a:stCxn id="13" idx="3"/>
+            <a:endCxn id="23" idx="1"/>
+          </p:cNvCxnSpPr>
+          <p:nvPr/>
+        </p:nvCxnSpPr>
+        <p:spPr>
+          <a:xfrm flipV="1">
+            <a:off x="6992474" y="2951630"/>
+            <a:ext cx="505607" cy="6725"/>
+          </a:xfrm>
+          <a:prstGeom prst="bentConnector3">
+            <a:avLst/>
+          </a:prstGeom>
+          <a:ln>
+            <a:tailEnd type="triangle"/>
+          </a:ln>
+        </p:spPr>
+        <p:style>
+          <a:lnRef idx="1">
+            <a:schemeClr val="accent5"/>
+          </a:lnRef>
+          <a:fillRef idx="3">
+            <a:schemeClr val="accent5"/>
+          </a:fillRef>
+          <a:effectRef idx="2">
+            <a:schemeClr val="accent5"/>
+          </a:effectRef>
+          <a:fontRef idx="minor">
+            <a:schemeClr val="lt1"/>
+          </a:fontRef>
+        </p:style>
+      </p:cxnSp>
+      <p:cxnSp>
+        <p:nvCxnSpPr>
+          <p:cNvPr id="30" name="肘形连接符 29"/>
+          <p:cNvCxnSpPr>
+            <a:stCxn id="7" idx="3"/>
+            <a:endCxn id="24" idx="1"/>
+          </p:cNvCxnSpPr>
+          <p:nvPr/>
+        </p:nvCxnSpPr>
+        <p:spPr>
+          <a:xfrm>
+            <a:off x="6949443" y="4367608"/>
+            <a:ext cx="548638" cy="3"/>
+          </a:xfrm>
+          <a:prstGeom prst="bentConnector3">
+            <a:avLst/>
+          </a:prstGeom>
+          <a:ln>
+            <a:tailEnd type="triangle"/>
+          </a:ln>
+        </p:spPr>
+        <p:style>
+          <a:lnRef idx="1">
+            <a:schemeClr val="accent5"/>
+          </a:lnRef>
+          <a:fillRef idx="3">
+            <a:schemeClr val="accent5"/>
+          </a:fillRef>
+          <a:effectRef idx="2">
+            <a:schemeClr val="accent5"/>
+          </a:effectRef>
+          <a:fontRef idx="minor">
+            <a:schemeClr val="lt1"/>
+          </a:fontRef>
+        </p:style>
+      </p:cxnSp>
+      <p:cxnSp>
+        <p:nvCxnSpPr>
+          <p:cNvPr id="31" name="肘形连接符 30"/>
+          <p:cNvCxnSpPr>
+            <a:endCxn id="25" idx="1"/>
+          </p:cNvCxnSpPr>
+          <p:nvPr/>
+        </p:nvCxnSpPr>
+        <p:spPr>
+          <a:xfrm>
+            <a:off x="6680494" y="5195948"/>
+            <a:ext cx="817587" cy="1"/>
+          </a:xfrm>
+          <a:prstGeom prst="bentConnector3">
+            <a:avLst/>
+          </a:prstGeom>
+          <a:ln>
+            <a:tailEnd type="triangle"/>
+          </a:ln>
+        </p:spPr>
+        <p:style>
+          <a:lnRef idx="1">
+            <a:schemeClr val="accent5"/>
+          </a:lnRef>
+          <a:fillRef idx="3">
+            <a:schemeClr val="accent5"/>
+          </a:fillRef>
+          <a:effectRef idx="2">
+            <a:schemeClr val="accent5"/>
+          </a:effectRef>
+          <a:fontRef idx="minor">
+            <a:schemeClr val="lt1"/>
+          </a:fontRef>
+        </p:style>
+      </p:cxnSp>
+      <p:sp>
+        <p:nvSpPr>
+          <p:cNvPr id="33" name="文本框 32"/>
+          <p:cNvSpPr txBox="1"/>
+          <p:nvPr/>
+        </p:nvSpPr>
+        <p:spPr>
+          <a:xfrm>
+            <a:off x="8918091" y="2148250"/>
+            <a:ext cx="2300630" cy="307777"/>
+          </a:xfrm>
+          <a:prstGeom prst="rect">
+            <a:avLst/>
+          </a:prstGeom>
+          <a:noFill/>
+        </p:spPr>
+        <p:txBody>
+          <a:bodyPr wrap="none" rtlCol="0">
+            <a:spAutoFit/>
+          </a:bodyPr>
+          <a:lstStyle/>
+          <a:p>
+            <a:r>
+              <a:rPr lang="en-US" altLang="zh-CN" sz="1400" dirty="0" err="1" smtClean="0"/>
+              <a:t>Redis</a:t>
+            </a:r>
+            <a:r>
+              <a:rPr lang="en-US" altLang="zh-CN" sz="1400" dirty="0" smtClean="0"/>
+              <a:t>-Cluster</a:t>
+            </a:r>
+            <a:r>
+              <a:rPr lang="zh-CN" altLang="en-US" sz="1400" dirty="0" smtClean="0"/>
+              <a:t>存储缓存数据</a:t>
+            </a:r>
+            <a:endParaRPr lang="en-US" altLang="zh-CN" sz="1400" dirty="0" smtClean="0"/>
+          </a:p>
+        </p:txBody>
+      </p:sp>
+      <p:sp>
+        <p:nvSpPr>
+          <p:cNvPr id="34" name="文本框 33"/>
+          <p:cNvSpPr txBox="1"/>
+          <p:nvPr/>
+        </p:nvSpPr>
+        <p:spPr>
+          <a:xfrm>
+            <a:off x="8918091" y="2708258"/>
+            <a:ext cx="3070071" cy="523220"/>
+          </a:xfrm>
+          <a:prstGeom prst="rect">
+            <a:avLst/>
+          </a:prstGeom>
+          <a:noFill/>
+        </p:spPr>
+        <p:txBody>
+          <a:bodyPr wrap="none" rtlCol="0">
+            <a:spAutoFit/>
+          </a:bodyPr>
+          <a:lstStyle/>
+          <a:p>
+            <a:r>
+              <a:rPr lang="zh-CN" altLang="en-US" sz="1400" dirty="0" smtClean="0"/>
+              <a:t>先存</a:t>
+            </a:r>
+            <a:r>
+              <a:rPr lang="en-US" altLang="zh-CN" sz="1400" dirty="0" smtClean="0"/>
+              <a:t>MySQL</a:t>
+            </a:r>
+            <a:r>
+              <a:rPr lang="zh-CN" altLang="en-US" sz="1400" dirty="0" smtClean="0"/>
+              <a:t>，在存缓存提升查询性能</a:t>
+            </a:r>
+            <a:endParaRPr lang="en-US" altLang="zh-CN" sz="1400" dirty="0" smtClean="0"/>
+          </a:p>
+          <a:p>
+            <a:r>
+              <a:rPr lang="zh-CN" altLang="en-US" sz="1400" dirty="0" smtClean="0"/>
+              <a:t>存储成功后推送</a:t>
+            </a:r>
+            <a:r>
+              <a:rPr lang="en-US" altLang="zh-CN" sz="1400" dirty="0" smtClean="0"/>
+              <a:t>MQ</a:t>
+            </a:r>
+            <a:r>
+              <a:rPr lang="zh-CN" altLang="en-US" sz="1400" dirty="0" smtClean="0"/>
+              <a:t>消息给我的好友</a:t>
+            </a:r>
+            <a:endParaRPr lang="zh-CN" altLang="en-US" sz="1400" dirty="0"/>
+          </a:p>
+        </p:txBody>
+      </p:sp>
+      <p:sp>
+        <p:nvSpPr>
+          <p:cNvPr id="35" name="文本框 34"/>
+          <p:cNvSpPr txBox="1"/>
+          <p:nvPr/>
+        </p:nvSpPr>
+        <p:spPr>
+          <a:xfrm>
+            <a:off x="8918091" y="4213718"/>
+            <a:ext cx="2339102" cy="307777"/>
+          </a:xfrm>
+          <a:prstGeom prst="rect">
+            <a:avLst/>
+          </a:prstGeom>
+          <a:noFill/>
+        </p:spPr>
+        <p:txBody>
+          <a:bodyPr wrap="none" rtlCol="0">
+            <a:spAutoFit/>
+          </a:bodyPr>
+          <a:lstStyle/>
+          <a:p>
+            <a:r>
+              <a:rPr lang="zh-CN" altLang="en-US" sz="1400" dirty="0" smtClean="0"/>
+              <a:t>不存在任务拆分，负载均衡</a:t>
+            </a:r>
+            <a:endParaRPr lang="zh-CN" altLang="en-US" sz="1400" dirty="0"/>
+          </a:p>
+        </p:txBody>
+      </p:sp>
+      <p:sp>
+        <p:nvSpPr>
+          <p:cNvPr id="37" name="文本框 36"/>
+          <p:cNvSpPr txBox="1"/>
+          <p:nvPr/>
+        </p:nvSpPr>
+        <p:spPr>
+          <a:xfrm>
+            <a:off x="9053170" y="4869644"/>
+            <a:ext cx="2159566" cy="523220"/>
+          </a:xfrm>
+          <a:prstGeom prst="rect">
+            <a:avLst/>
+          </a:prstGeom>
+          <a:noFill/>
+        </p:spPr>
+        <p:txBody>
+          <a:bodyPr wrap="none" rtlCol="0">
+            <a:spAutoFit/>
+          </a:bodyPr>
+          <a:lstStyle/>
+          <a:p>
+            <a:r>
+              <a:rPr lang="zh-CN" altLang="en-US" sz="1400" dirty="0" smtClean="0"/>
+              <a:t>分库分表存储朋友圈数据</a:t>
+            </a:r>
+            <a:endParaRPr lang="en-US" altLang="zh-CN" sz="1400" dirty="0" smtClean="0"/>
+          </a:p>
+          <a:p>
+            <a:r>
+              <a:rPr lang="en-US" altLang="zh-CN" sz="1400" dirty="0" err="1" smtClean="0"/>
+              <a:t>FastDFS</a:t>
+            </a:r>
+            <a:r>
+              <a:rPr lang="zh-CN" altLang="en-US" sz="1400" dirty="0" smtClean="0"/>
+              <a:t>存储图片文件</a:t>
+            </a:r>
+            <a:endParaRPr lang="zh-CN" altLang="en-US" sz="1400" dirty="0"/>
+          </a:p>
+        </p:txBody>
+      </p:sp>
+    </p:spTree>
+    <p:extLst>
+      <p:ext uri="{BB962C8B-B14F-4D97-AF65-F5344CB8AC3E}">
+        <p14:creationId xmlns:p14="http://schemas.microsoft.com/office/powerpoint/2010/main" val="2536593954"/>
+      </p:ext>
+    </p:extLst>
+  </p:cSld>
+  <p:clrMapOvr>
+    <a:masterClrMapping/>
+  </p:clrMapOvr>
+</p:sld>
+</file>
+
+<file path=ppt/slides/slide4.xml><?xml version="1.0" encoding="utf-8"?>
+<p:sld xmlns:a="http://schemas.openxmlformats.org/drawingml/2006/main" xmlns:r="http://schemas.openxmlformats.org/officeDocument/2006/relationships" xmlns:p="http://schemas.openxmlformats.org/presentationml/2006/main">
+  <p:cSld>
+    <p:spTree>
+      <p:nvGrpSpPr>
+        <p:cNvPr id="1" name=""/>
+        <p:cNvGrpSpPr/>
+        <p:nvPr/>
+      </p:nvGrpSpPr>
+      <p:grpSpPr>
+        <a:xfrm>
+          <a:off x="0" y="0"/>
+          <a:ext cx="0" cy="0"/>
+          <a:chOff x="0" y="0"/>
+          <a:chExt cx="0" cy="0"/>
+        </a:xfrm>
+      </p:grpSpPr>
+      <p:pic>
+        <p:nvPicPr>
+          <p:cNvPr id="6" name="图片 5"/>
+          <p:cNvPicPr>
+            <a:picLocks noChangeAspect="1"/>
+          </p:cNvPicPr>
+          <p:nvPr/>
+        </p:nvPicPr>
+        <p:blipFill>
+          <a:blip r:embed="rId2">
+            <a:extLst>
+              <a:ext uri="{28A0092B-C50C-407E-A947-70E740481C1C}">
+                <a14:useLocalDpi xmlns:a14="http://schemas.microsoft.com/office/drawing/2010/main" val="0"/>
+              </a:ext>
+            </a:extLst>
+          </a:blip>
+          <a:stretch>
+            <a:fillRect/>
+          </a:stretch>
+        </p:blipFill>
+        <p:spPr>
+          <a:xfrm>
+            <a:off x="1498694" y="0"/>
+            <a:ext cx="8527638" cy="6858000"/>
+          </a:xfrm>
+          <a:prstGeom prst="rect">
+            <a:avLst/>
+          </a:prstGeom>
+        </p:spPr>
+      </p:pic>
+    </p:spTree>
+    <p:extLst>
+      <p:ext uri="{BB962C8B-B14F-4D97-AF65-F5344CB8AC3E}">
+        <p14:creationId xmlns:p14="http://schemas.microsoft.com/office/powerpoint/2010/main" val="1498073830"/>
+      </p:ext>
+    </p:extLst>
+  </p:cSld>
+  <p:clrMapOvr>
+    <a:masterClrMapping/>
+  </p:clrMapOvr>
+</p:sld>
+</file>
+
+<file path=ppt/slides/slide5.xml><?xml version="1.0" encoding="utf-8"?>
+<p:sld xmlns:a="http://schemas.openxmlformats.org/drawingml/2006/main" xmlns:r="http://schemas.openxmlformats.org/officeDocument/2006/relationships" xmlns:p="http://schemas.openxmlformats.org/presentationml/2006/main">
+  <p:cSld>
+    <p:spTree>
+      <p:nvGrpSpPr>
+        <p:cNvPr id="1" name=""/>
+        <p:cNvGrpSpPr/>
+        <p:nvPr/>
+      </p:nvGrpSpPr>
+      <p:grpSpPr>
+        <a:xfrm>
+          <a:off x="0" y="0"/>
+          <a:ext cx="0" cy="0"/>
+          <a:chOff x="0" y="0"/>
+          <a:chExt cx="0" cy="0"/>
+        </a:xfrm>
+      </p:grpSpPr>
+      <p:sp>
+        <p:nvSpPr>
+          <p:cNvPr id="2" name="标题 1"/>
+          <p:cNvSpPr>
+            <a:spLocks noGrp="1"/>
+          </p:cNvSpPr>
+          <p:nvPr>
+            <p:ph type="title"/>
+          </p:nvPr>
+        </p:nvSpPr>
+        <p:spPr>
+          <a:xfrm>
+            <a:off x="419548" y="174220"/>
+            <a:ext cx="3851238" cy="1028541"/>
+          </a:xfrm>
+        </p:spPr>
+        <p:txBody>
+          <a:bodyPr>
+            <a:normAutofit/>
+          </a:bodyPr>
+          <a:lstStyle/>
+          <a:p>
+            <a:r>
+              <a:rPr lang="zh-CN" altLang="en-US" sz="3200" dirty="0"/>
+              <a:t>查看</a:t>
+            </a:r>
+            <a:r>
+              <a:rPr lang="zh-CN" altLang="en-US" sz="3200" dirty="0" smtClean="0"/>
+              <a:t>朋友圈</a:t>
+            </a:r>
+            <a:endParaRPr lang="zh-CN" altLang="en-US" sz="3200" dirty="0"/>
+          </a:p>
+        </p:txBody>
+      </p:sp>
+      <p:sp>
+        <p:nvSpPr>
+          <p:cNvPr id="5" name="矩形 4"/>
+          <p:cNvSpPr/>
+          <p:nvPr/>
+        </p:nvSpPr>
+        <p:spPr>
+          <a:xfrm>
+            <a:off x="3679117" y="2302139"/>
+            <a:ext cx="1420010" cy="451821"/>
+          </a:xfrm>
+          <a:prstGeom prst="rect">
+            <a:avLst/>
+          </a:prstGeom>
+        </p:spPr>
+        <p:style>
+          <a:lnRef idx="3">
+            <a:schemeClr val="lt1"/>
+          </a:lnRef>
+          <a:fillRef idx="1">
+            <a:schemeClr val="accent6"/>
+          </a:fillRef>
+          <a:effectRef idx="1">
+            <a:schemeClr val="accent6"/>
+          </a:effectRef>
+          <a:fontRef idx="minor">
+            <a:schemeClr val="lt1"/>
+          </a:fontRef>
+        </p:style>
+        <p:txBody>
+          <a:bodyPr rtlCol="0" anchor="ctr"/>
+          <a:lstStyle/>
+          <a:p>
+            <a:pPr algn="ctr"/>
+            <a:r>
+              <a:rPr lang="zh-CN" altLang="en-US" b="1" dirty="0" smtClean="0"/>
+              <a:t>单机</a:t>
+            </a:r>
+            <a:endParaRPr lang="en-US" altLang="zh-CN" b="1" dirty="0" smtClean="0"/>
+          </a:p>
+        </p:txBody>
+      </p:sp>
+      <p:sp>
+        <p:nvSpPr>
+          <p:cNvPr id="6" name="矩形 5"/>
+          <p:cNvSpPr/>
+          <p:nvPr/>
+        </p:nvSpPr>
+        <p:spPr>
+          <a:xfrm>
+            <a:off x="3679117" y="4561245"/>
+            <a:ext cx="1420010" cy="451821"/>
+          </a:xfrm>
+          <a:prstGeom prst="rect">
+            <a:avLst/>
+          </a:prstGeom>
+        </p:spPr>
+        <p:style>
+          <a:lnRef idx="3">
+            <a:schemeClr val="lt1"/>
+          </a:lnRef>
+          <a:fillRef idx="1">
+            <a:schemeClr val="accent6"/>
+          </a:fillRef>
+          <a:effectRef idx="1">
+            <a:schemeClr val="accent6"/>
+          </a:effectRef>
+          <a:fontRef idx="minor">
+            <a:schemeClr val="lt1"/>
+          </a:fontRef>
+        </p:style>
+        <p:txBody>
+          <a:bodyPr rtlCol="0" anchor="ctr"/>
+          <a:lstStyle/>
+          <a:p>
+            <a:pPr algn="ctr"/>
+            <a:r>
+              <a:rPr lang="zh-CN" altLang="en-US" b="1" dirty="0" smtClean="0"/>
+              <a:t>集群</a:t>
+            </a:r>
+            <a:endParaRPr lang="en-US" altLang="zh-CN" b="1" dirty="0" smtClean="0"/>
+          </a:p>
+        </p:txBody>
+      </p:sp>
+      <p:sp>
+        <p:nvSpPr>
+          <p:cNvPr id="7" name="矩形 6"/>
+          <p:cNvSpPr/>
+          <p:nvPr/>
+        </p:nvSpPr>
+        <p:spPr>
+          <a:xfrm>
+            <a:off x="5529433" y="4141697"/>
+            <a:ext cx="1420010" cy="451821"/>
+          </a:xfrm>
+          <a:prstGeom prst="rect">
+            <a:avLst/>
+          </a:prstGeom>
+        </p:spPr>
+        <p:style>
+          <a:lnRef idx="3">
+            <a:schemeClr val="lt1"/>
+          </a:lnRef>
+          <a:fillRef idx="1">
+            <a:schemeClr val="accent6"/>
+          </a:fillRef>
+          <a:effectRef idx="1">
+            <a:schemeClr val="accent6"/>
+          </a:effectRef>
+          <a:fontRef idx="minor">
+            <a:schemeClr val="lt1"/>
+          </a:fontRef>
+        </p:style>
+        <p:txBody>
+          <a:bodyPr rtlCol="0" anchor="ctr"/>
+          <a:lstStyle/>
+          <a:p>
+            <a:pPr algn="ctr"/>
+            <a:r>
+              <a:rPr lang="zh-CN" altLang="en-US" b="1" dirty="0" smtClean="0"/>
+              <a:t>计算高性能</a:t>
+            </a:r>
+            <a:endParaRPr lang="en-US" altLang="zh-CN" b="1" dirty="0" smtClean="0"/>
+          </a:p>
+        </p:txBody>
+      </p:sp>
+      <p:sp>
+        <p:nvSpPr>
+          <p:cNvPr id="8" name="矩形 7"/>
+          <p:cNvSpPr/>
+          <p:nvPr/>
+        </p:nvSpPr>
+        <p:spPr>
+          <a:xfrm>
+            <a:off x="5529433" y="5013066"/>
+            <a:ext cx="1420010" cy="451821"/>
+          </a:xfrm>
+          <a:prstGeom prst="rect">
+            <a:avLst/>
+          </a:prstGeom>
+        </p:spPr>
+        <p:style>
+          <a:lnRef idx="3">
+            <a:schemeClr val="lt1"/>
+          </a:lnRef>
+          <a:fillRef idx="1">
+            <a:schemeClr val="accent6"/>
+          </a:fillRef>
+          <a:effectRef idx="1">
+            <a:schemeClr val="accent6"/>
+          </a:effectRef>
+          <a:fontRef idx="minor">
+            <a:schemeClr val="lt1"/>
+          </a:fontRef>
+        </p:style>
+        <p:txBody>
+          <a:bodyPr rtlCol="0" anchor="ctr"/>
+          <a:lstStyle/>
+          <a:p>
+            <a:pPr algn="ctr"/>
+            <a:r>
+              <a:rPr lang="zh-CN" altLang="en-US" b="1" dirty="0" smtClean="0"/>
+              <a:t>存储高性能</a:t>
+            </a:r>
+            <a:endParaRPr lang="en-US" altLang="zh-CN" b="1" dirty="0" smtClean="0"/>
+          </a:p>
+        </p:txBody>
+      </p:sp>
+      <p:sp>
+        <p:nvSpPr>
+          <p:cNvPr id="9" name="椭圆 8"/>
+          <p:cNvSpPr/>
+          <p:nvPr/>
+        </p:nvSpPr>
+        <p:spPr>
+          <a:xfrm>
+            <a:off x="548643" y="3307978"/>
+            <a:ext cx="1914862" cy="527125"/>
+          </a:xfrm>
+          <a:prstGeom prst="ellipse">
+            <a:avLst/>
+          </a:prstGeom>
+        </p:spPr>
+        <p:style>
+          <a:lnRef idx="1">
+            <a:schemeClr val="accent2"/>
+          </a:lnRef>
+          <a:fillRef idx="3">
+            <a:schemeClr val="accent2"/>
+          </a:fillRef>
+          <a:effectRef idx="2">
+            <a:schemeClr val="accent2"/>
+          </a:effectRef>
+          <a:fontRef idx="minor">
+            <a:schemeClr val="lt1"/>
+          </a:fontRef>
+        </p:style>
+        <p:txBody>
+          <a:bodyPr rtlCol="0" anchor="ctr"/>
+          <a:lstStyle/>
+          <a:p>
+            <a:pPr algn="ctr"/>
+            <a:r>
+              <a:rPr lang="zh-CN" altLang="en-US" b="1" dirty="0" smtClean="0"/>
+              <a:t>发朋友圈</a:t>
+            </a:r>
+            <a:endParaRPr lang="zh-CN" altLang="en-US" b="1" dirty="0"/>
+          </a:p>
+        </p:txBody>
+      </p:sp>
+      <p:sp>
+        <p:nvSpPr>
+          <p:cNvPr id="12" name="矩形 11"/>
+          <p:cNvSpPr/>
+          <p:nvPr/>
+        </p:nvSpPr>
+        <p:spPr>
+          <a:xfrm>
+            <a:off x="5572464" y="1484558"/>
+            <a:ext cx="1420010" cy="451821"/>
+          </a:xfrm>
+          <a:prstGeom prst="rect">
+            <a:avLst/>
+          </a:prstGeom>
+        </p:spPr>
+        <p:style>
+          <a:lnRef idx="3">
+            <a:schemeClr val="lt1"/>
+          </a:lnRef>
+          <a:fillRef idx="1">
+            <a:schemeClr val="accent6"/>
+          </a:fillRef>
+          <a:effectRef idx="1">
+            <a:schemeClr val="accent6"/>
+          </a:effectRef>
+          <a:fontRef idx="minor">
+            <a:schemeClr val="lt1"/>
+          </a:fontRef>
+        </p:style>
+        <p:txBody>
+          <a:bodyPr rtlCol="0" anchor="ctr"/>
+          <a:lstStyle/>
+          <a:p>
+            <a:pPr algn="ctr"/>
+            <a:r>
+              <a:rPr lang="zh-CN" altLang="en-US" b="1" dirty="0" smtClean="0"/>
+              <a:t>计算高性能</a:t>
+            </a:r>
+            <a:endParaRPr lang="en-US" altLang="zh-CN" b="1" dirty="0" smtClean="0"/>
+          </a:p>
+        </p:txBody>
+      </p:sp>
+      <p:sp>
+        <p:nvSpPr>
+          <p:cNvPr id="13" name="矩形 12"/>
+          <p:cNvSpPr/>
+          <p:nvPr/>
+        </p:nvSpPr>
+        <p:spPr>
+          <a:xfrm>
+            <a:off x="5572464" y="2732444"/>
+            <a:ext cx="1420010" cy="451821"/>
+          </a:xfrm>
+          <a:prstGeom prst="rect">
+            <a:avLst/>
+          </a:prstGeom>
+        </p:spPr>
+        <p:style>
+          <a:lnRef idx="3">
+            <a:schemeClr val="lt1"/>
+          </a:lnRef>
+          <a:fillRef idx="1">
+            <a:schemeClr val="accent6"/>
+          </a:fillRef>
+          <a:effectRef idx="1">
+            <a:schemeClr val="accent6"/>
+          </a:effectRef>
+          <a:fontRef idx="minor">
+            <a:schemeClr val="lt1"/>
+          </a:fontRef>
+        </p:style>
+        <p:txBody>
+          <a:bodyPr rtlCol="0" anchor="ctr"/>
+          <a:lstStyle/>
+          <a:p>
+            <a:pPr algn="ctr"/>
+            <a:r>
+              <a:rPr lang="zh-CN" altLang="en-US" b="1" dirty="0" smtClean="0"/>
+              <a:t>存储高性能</a:t>
+            </a:r>
+            <a:endParaRPr lang="en-US" altLang="zh-CN" b="1" dirty="0" smtClean="0"/>
+          </a:p>
+        </p:txBody>
+      </p:sp>
+      <p:cxnSp>
+        <p:nvCxnSpPr>
+          <p:cNvPr id="14" name="肘形连接符 13"/>
+          <p:cNvCxnSpPr>
+            <a:stCxn id="5" idx="3"/>
+            <a:endCxn id="12" idx="1"/>
+          </p:cNvCxnSpPr>
+          <p:nvPr/>
+        </p:nvCxnSpPr>
+        <p:spPr>
+          <a:xfrm flipV="1">
+            <a:off x="5099127" y="1710469"/>
+            <a:ext cx="473337" cy="817581"/>
+          </a:xfrm>
+          <a:prstGeom prst="bentConnector3">
+            <a:avLst/>
+          </a:prstGeom>
+          <a:ln>
+            <a:tailEnd type="triangle"/>
+          </a:ln>
+        </p:spPr>
+        <p:style>
+          <a:lnRef idx="1">
+            <a:schemeClr val="accent5"/>
+          </a:lnRef>
+          <a:fillRef idx="3">
+            <a:schemeClr val="accent5"/>
+          </a:fillRef>
+          <a:effectRef idx="2">
+            <a:schemeClr val="accent5"/>
+          </a:effectRef>
+          <a:fontRef idx="minor">
+            <a:schemeClr val="lt1"/>
+          </a:fontRef>
+        </p:style>
+      </p:cxnSp>
+      <p:cxnSp>
+        <p:nvCxnSpPr>
+          <p:cNvPr id="15" name="肘形连接符 14"/>
+          <p:cNvCxnSpPr>
+            <a:stCxn id="5" idx="3"/>
+            <a:endCxn id="13" idx="1"/>
+          </p:cNvCxnSpPr>
+          <p:nvPr/>
+        </p:nvCxnSpPr>
+        <p:spPr>
+          <a:xfrm>
+            <a:off x="5099127" y="2528050"/>
+            <a:ext cx="473337" cy="430305"/>
+          </a:xfrm>
+          <a:prstGeom prst="bentConnector3">
+            <a:avLst/>
+          </a:prstGeom>
+          <a:ln>
+            <a:tailEnd type="triangle"/>
+          </a:ln>
+        </p:spPr>
+        <p:style>
+          <a:lnRef idx="1">
+            <a:schemeClr val="accent5"/>
+          </a:lnRef>
+          <a:fillRef idx="3">
+            <a:schemeClr val="accent5"/>
+          </a:fillRef>
+          <a:effectRef idx="2">
+            <a:schemeClr val="accent5"/>
+          </a:effectRef>
+          <a:fontRef idx="minor">
+            <a:schemeClr val="lt1"/>
+          </a:fontRef>
+        </p:style>
+      </p:cxnSp>
+      <p:cxnSp>
+        <p:nvCxnSpPr>
+          <p:cNvPr id="16" name="肘形连接符 15"/>
+          <p:cNvCxnSpPr>
+            <a:stCxn id="6" idx="3"/>
+            <a:endCxn id="7" idx="1"/>
+          </p:cNvCxnSpPr>
+          <p:nvPr/>
+        </p:nvCxnSpPr>
+        <p:spPr>
+          <a:xfrm flipV="1">
+            <a:off x="5099127" y="4367608"/>
+            <a:ext cx="430306" cy="419548"/>
+          </a:xfrm>
+          <a:prstGeom prst="bentConnector3">
+            <a:avLst/>
+          </a:prstGeom>
+          <a:ln>
+            <a:tailEnd type="triangle"/>
+          </a:ln>
+        </p:spPr>
+        <p:style>
+          <a:lnRef idx="1">
+            <a:schemeClr val="accent5"/>
+          </a:lnRef>
+          <a:fillRef idx="3">
+            <a:schemeClr val="accent5"/>
+          </a:fillRef>
+          <a:effectRef idx="2">
+            <a:schemeClr val="accent5"/>
+          </a:effectRef>
+          <a:fontRef idx="minor">
+            <a:schemeClr val="lt1"/>
+          </a:fontRef>
+        </p:style>
+      </p:cxnSp>
+      <p:cxnSp>
+        <p:nvCxnSpPr>
+          <p:cNvPr id="17" name="肘形连接符 16"/>
+          <p:cNvCxnSpPr>
+            <a:stCxn id="6" idx="3"/>
+            <a:endCxn id="8" idx="1"/>
+          </p:cNvCxnSpPr>
+          <p:nvPr/>
+        </p:nvCxnSpPr>
+        <p:spPr>
+          <a:xfrm>
+            <a:off x="5099127" y="4787156"/>
+            <a:ext cx="430306" cy="451821"/>
+          </a:xfrm>
+          <a:prstGeom prst="bentConnector3">
+            <a:avLst/>
+          </a:prstGeom>
+          <a:ln>
+            <a:tailEnd type="triangle"/>
+          </a:ln>
+        </p:spPr>
+        <p:style>
+          <a:lnRef idx="1">
+            <a:schemeClr val="accent5"/>
+          </a:lnRef>
+          <a:fillRef idx="3">
+            <a:schemeClr val="accent5"/>
+          </a:fillRef>
+          <a:effectRef idx="2">
+            <a:schemeClr val="accent5"/>
+          </a:effectRef>
+          <a:fontRef idx="minor">
+            <a:schemeClr val="lt1"/>
+          </a:fontRef>
+        </p:style>
+      </p:cxnSp>
+      <p:cxnSp>
+        <p:nvCxnSpPr>
+          <p:cNvPr id="18" name="肘形连接符 17"/>
+          <p:cNvCxnSpPr>
+            <a:endCxn id="5" idx="1"/>
+          </p:cNvCxnSpPr>
+          <p:nvPr/>
+        </p:nvCxnSpPr>
+        <p:spPr>
+          <a:xfrm flipV="1">
+            <a:off x="2463505" y="2528050"/>
+            <a:ext cx="1215612" cy="1043491"/>
+          </a:xfrm>
+          <a:prstGeom prst="bentConnector3">
+            <a:avLst/>
+          </a:prstGeom>
+          <a:ln>
+            <a:tailEnd type="triangle"/>
+          </a:ln>
+        </p:spPr>
+        <p:style>
+          <a:lnRef idx="1">
+            <a:schemeClr val="accent1"/>
+          </a:lnRef>
+          <a:fillRef idx="0">
+            <a:schemeClr val="accent1"/>
+          </a:fillRef>
+          <a:effectRef idx="0">
+            <a:schemeClr val="accent1"/>
+          </a:effectRef>
+          <a:fontRef idx="minor">
+            <a:schemeClr val="tx1"/>
+          </a:fontRef>
+        </p:style>
+      </p:cxnSp>
+      <p:cxnSp>
+        <p:nvCxnSpPr>
+          <p:cNvPr id="19" name="肘形连接符 18"/>
+          <p:cNvCxnSpPr>
+            <a:endCxn id="6" idx="1"/>
+          </p:cNvCxnSpPr>
+          <p:nvPr/>
+        </p:nvCxnSpPr>
+        <p:spPr>
+          <a:xfrm>
+            <a:off x="2463505" y="3571541"/>
+            <a:ext cx="1215612" cy="1215615"/>
+          </a:xfrm>
+          <a:prstGeom prst="bentConnector3">
+            <a:avLst/>
+          </a:prstGeom>
+          <a:ln>
+            <a:tailEnd type="triangle"/>
+          </a:ln>
+        </p:spPr>
+        <p:style>
+          <a:lnRef idx="1">
+            <a:schemeClr val="accent1"/>
+          </a:lnRef>
+          <a:fillRef idx="0">
+            <a:schemeClr val="accent1"/>
+          </a:fillRef>
+          <a:effectRef idx="0">
+            <a:schemeClr val="accent1"/>
+          </a:effectRef>
+          <a:fontRef idx="minor">
+            <a:schemeClr val="tx1"/>
+          </a:fontRef>
+        </p:style>
+      </p:cxnSp>
+      <p:sp>
+        <p:nvSpPr>
+          <p:cNvPr id="20" name="矩形 19"/>
+          <p:cNvSpPr/>
+          <p:nvPr/>
+        </p:nvSpPr>
+        <p:spPr>
+          <a:xfrm>
+            <a:off x="7498081" y="822963"/>
+            <a:ext cx="1420010" cy="451821"/>
+          </a:xfrm>
+          <a:prstGeom prst="rect">
+            <a:avLst/>
+          </a:prstGeom>
+        </p:spPr>
+        <p:style>
+          <a:lnRef idx="0">
+            <a:schemeClr val="accent3"/>
+          </a:lnRef>
+          <a:fillRef idx="3">
+            <a:schemeClr val="accent3"/>
+          </a:fillRef>
+          <a:effectRef idx="3">
+            <a:schemeClr val="accent3"/>
+          </a:effectRef>
+          <a:fontRef idx="minor">
+            <a:schemeClr val="lt1"/>
+          </a:fontRef>
+        </p:style>
+        <p:txBody>
+          <a:bodyPr rtlCol="0" anchor="ctr"/>
+          <a:lstStyle/>
+          <a:p>
+            <a:pPr algn="ctr"/>
+            <a:r>
+              <a:rPr lang="zh-CN" altLang="en-US" b="1" dirty="0" smtClean="0"/>
+              <a:t>进程模型</a:t>
+            </a:r>
+            <a:endParaRPr lang="en-US" altLang="zh-CN" b="1" dirty="0" smtClean="0"/>
+          </a:p>
+        </p:txBody>
+      </p:sp>
+      <p:sp>
+        <p:nvSpPr>
+          <p:cNvPr id="21" name="矩形 20"/>
+          <p:cNvSpPr/>
+          <p:nvPr/>
+        </p:nvSpPr>
+        <p:spPr>
+          <a:xfrm>
+            <a:off x="7498081" y="2076229"/>
+            <a:ext cx="1420010" cy="451821"/>
+          </a:xfrm>
+          <a:prstGeom prst="rect">
+            <a:avLst/>
+          </a:prstGeom>
+        </p:spPr>
+        <p:style>
+          <a:lnRef idx="1">
+            <a:schemeClr val="accent6"/>
+          </a:lnRef>
+          <a:fillRef idx="2">
+            <a:schemeClr val="accent6"/>
+          </a:fillRef>
+          <a:effectRef idx="1">
+            <a:schemeClr val="accent6"/>
+          </a:effectRef>
+          <a:fontRef idx="minor">
+            <a:schemeClr val="dk1"/>
+          </a:fontRef>
+        </p:style>
+        <p:txBody>
+          <a:bodyPr rtlCol="0" anchor="ctr"/>
+          <a:lstStyle/>
+          <a:p>
+            <a:pPr algn="ctr"/>
+            <a:r>
+              <a:rPr lang="zh-CN" altLang="en-US" b="1" dirty="0" smtClean="0"/>
+              <a:t>缓存模型</a:t>
+            </a:r>
+            <a:endParaRPr lang="en-US" altLang="zh-CN" b="1" dirty="0" smtClean="0"/>
+          </a:p>
+        </p:txBody>
+      </p:sp>
+      <p:sp>
+        <p:nvSpPr>
+          <p:cNvPr id="22" name="矩形 21"/>
+          <p:cNvSpPr/>
+          <p:nvPr/>
+        </p:nvSpPr>
+        <p:spPr>
+          <a:xfrm>
+            <a:off x="7498081" y="1481869"/>
+            <a:ext cx="1420010" cy="451821"/>
+          </a:xfrm>
+          <a:prstGeom prst="rect">
+            <a:avLst/>
+          </a:prstGeom>
+        </p:spPr>
+        <p:style>
+          <a:lnRef idx="0">
+            <a:schemeClr val="accent3"/>
+          </a:lnRef>
+          <a:fillRef idx="3">
+            <a:schemeClr val="accent3"/>
+          </a:fillRef>
+          <a:effectRef idx="3">
+            <a:schemeClr val="accent3"/>
+          </a:effectRef>
+          <a:fontRef idx="minor">
+            <a:schemeClr val="lt1"/>
+          </a:fontRef>
+        </p:style>
+        <p:txBody>
+          <a:bodyPr rtlCol="0" anchor="ctr"/>
+          <a:lstStyle/>
+          <a:p>
+            <a:pPr algn="ctr"/>
+            <a:r>
+              <a:rPr lang="zh-CN" altLang="en-US" b="1" dirty="0"/>
+              <a:t>网络</a:t>
+            </a:r>
+            <a:r>
+              <a:rPr lang="zh-CN" altLang="en-US" b="1" dirty="0" smtClean="0"/>
+              <a:t>模型</a:t>
+            </a:r>
+            <a:endParaRPr lang="en-US" altLang="zh-CN" b="1" dirty="0" smtClean="0"/>
+          </a:p>
+        </p:txBody>
+      </p:sp>
+      <p:sp>
+        <p:nvSpPr>
+          <p:cNvPr id="23" name="矩形 22"/>
+          <p:cNvSpPr/>
+          <p:nvPr/>
+        </p:nvSpPr>
+        <p:spPr>
+          <a:xfrm>
+            <a:off x="7498081" y="2725719"/>
+            <a:ext cx="1420010" cy="451821"/>
+          </a:xfrm>
+          <a:prstGeom prst="rect">
+            <a:avLst/>
+          </a:prstGeom>
+        </p:spPr>
+        <p:style>
+          <a:lnRef idx="0">
+            <a:schemeClr val="accent3"/>
+          </a:lnRef>
+          <a:fillRef idx="3">
+            <a:schemeClr val="accent3"/>
+          </a:fillRef>
+          <a:effectRef idx="3">
+            <a:schemeClr val="accent3"/>
+          </a:effectRef>
+          <a:fontRef idx="minor">
+            <a:schemeClr val="lt1"/>
+          </a:fontRef>
+        </p:style>
+        <p:txBody>
+          <a:bodyPr rtlCol="0" anchor="ctr"/>
+          <a:lstStyle/>
+          <a:p>
+            <a:pPr algn="ctr"/>
+            <a:r>
+              <a:rPr lang="zh-CN" altLang="en-US" b="1" dirty="0"/>
+              <a:t>存储</a:t>
+            </a:r>
+            <a:r>
+              <a:rPr lang="zh-CN" altLang="en-US" b="1" dirty="0" smtClean="0"/>
+              <a:t>模型</a:t>
+            </a:r>
+            <a:endParaRPr lang="en-US" altLang="zh-CN" b="1" dirty="0" smtClean="0"/>
+          </a:p>
+        </p:txBody>
+      </p:sp>
+      <p:sp>
+        <p:nvSpPr>
+          <p:cNvPr id="24" name="矩形 23"/>
+          <p:cNvSpPr/>
+          <p:nvPr/>
+        </p:nvSpPr>
+        <p:spPr>
+          <a:xfrm>
+            <a:off x="7498081" y="4141700"/>
+            <a:ext cx="1420010" cy="451821"/>
+          </a:xfrm>
+          <a:prstGeom prst="rect">
+            <a:avLst/>
+          </a:prstGeom>
+        </p:spPr>
+        <p:style>
+          <a:lnRef idx="1">
+            <a:schemeClr val="accent6"/>
+          </a:lnRef>
+          <a:fillRef idx="2">
+            <a:schemeClr val="accent6"/>
+          </a:fillRef>
+          <a:effectRef idx="1">
+            <a:schemeClr val="accent6"/>
+          </a:effectRef>
+          <a:fontRef idx="minor">
+            <a:schemeClr val="dk1"/>
+          </a:fontRef>
+        </p:style>
+        <p:txBody>
+          <a:bodyPr rtlCol="0" anchor="ctr"/>
+          <a:lstStyle/>
+          <a:p>
+            <a:pPr algn="ctr"/>
+            <a:r>
+              <a:rPr lang="zh-CN" altLang="en-US" b="1" dirty="0" smtClean="0"/>
+              <a:t>任务分配</a:t>
+            </a:r>
+            <a:endParaRPr lang="en-US" altLang="zh-CN" b="1" dirty="0" smtClean="0"/>
+          </a:p>
+        </p:txBody>
+      </p:sp>
+      <p:sp>
+        <p:nvSpPr>
+          <p:cNvPr id="25" name="矩形 24"/>
+          <p:cNvSpPr/>
+          <p:nvPr/>
+        </p:nvSpPr>
+        <p:spPr>
+          <a:xfrm>
+            <a:off x="7498081" y="4970038"/>
+            <a:ext cx="1420010" cy="451821"/>
+          </a:xfrm>
+          <a:prstGeom prst="rect">
+            <a:avLst/>
+          </a:prstGeom>
+        </p:spPr>
+        <p:style>
+          <a:lnRef idx="0">
+            <a:schemeClr val="accent3"/>
+          </a:lnRef>
+          <a:fillRef idx="3">
+            <a:schemeClr val="accent3"/>
+          </a:fillRef>
+          <a:effectRef idx="3">
+            <a:schemeClr val="accent3"/>
+          </a:effectRef>
+          <a:fontRef idx="minor">
+            <a:schemeClr val="lt1"/>
+          </a:fontRef>
+        </p:style>
+        <p:txBody>
+          <a:bodyPr rtlCol="0" anchor="ctr"/>
+          <a:lstStyle/>
+          <a:p>
+            <a:pPr algn="ctr"/>
+            <a:r>
+              <a:rPr lang="zh-CN" altLang="en-US" b="1" dirty="0" smtClean="0"/>
+              <a:t>任务</a:t>
+            </a:r>
+            <a:r>
+              <a:rPr lang="zh-CN" altLang="en-US" b="1" dirty="0">
+                <a:solidFill>
+                  <a:schemeClr val="lt1"/>
+                </a:solidFill>
+              </a:rPr>
+              <a:t>分解</a:t>
+            </a:r>
+            <a:endParaRPr lang="en-US" altLang="zh-CN" b="1" dirty="0">
+              <a:solidFill>
+                <a:schemeClr val="lt1"/>
+              </a:solidFill>
+            </a:endParaRPr>
+          </a:p>
+        </p:txBody>
+      </p:sp>
+      <p:cxnSp>
+        <p:nvCxnSpPr>
+          <p:cNvPr id="26" name="肘形连接符 25"/>
+          <p:cNvCxnSpPr>
+            <a:stCxn id="12" idx="3"/>
+            <a:endCxn id="20" idx="1"/>
+          </p:cNvCxnSpPr>
+          <p:nvPr/>
+        </p:nvCxnSpPr>
+        <p:spPr>
+          <a:xfrm flipV="1">
+            <a:off x="6992474" y="1048874"/>
+            <a:ext cx="505607" cy="661595"/>
+          </a:xfrm>
+          <a:prstGeom prst="bentConnector3">
+            <a:avLst>
+              <a:gd name="adj1" fmla="val 50000"/>
+            </a:avLst>
+          </a:prstGeom>
+          <a:ln>
+            <a:tailEnd type="triangle"/>
+          </a:ln>
+        </p:spPr>
+        <p:style>
+          <a:lnRef idx="1">
+            <a:schemeClr val="accent5"/>
+          </a:lnRef>
+          <a:fillRef idx="3">
+            <a:schemeClr val="accent5"/>
+          </a:fillRef>
+          <a:effectRef idx="2">
+            <a:schemeClr val="accent5"/>
+          </a:effectRef>
+          <a:fontRef idx="minor">
+            <a:schemeClr val="lt1"/>
+          </a:fontRef>
+        </p:style>
+      </p:cxnSp>
+      <p:cxnSp>
+        <p:nvCxnSpPr>
+          <p:cNvPr id="27" name="肘形连接符 26"/>
+          <p:cNvCxnSpPr>
+            <a:stCxn id="12" idx="3"/>
+            <a:endCxn id="22" idx="1"/>
+          </p:cNvCxnSpPr>
+          <p:nvPr/>
+        </p:nvCxnSpPr>
+        <p:spPr>
+          <a:xfrm flipV="1">
+            <a:off x="6992474" y="1707780"/>
+            <a:ext cx="505607" cy="2689"/>
+          </a:xfrm>
+          <a:prstGeom prst="bentConnector3">
+            <a:avLst/>
+          </a:prstGeom>
+          <a:ln>
+            <a:tailEnd type="triangle"/>
+          </a:ln>
+        </p:spPr>
+        <p:style>
+          <a:lnRef idx="1">
+            <a:schemeClr val="accent5"/>
+          </a:lnRef>
+          <a:fillRef idx="3">
+            <a:schemeClr val="accent5"/>
+          </a:fillRef>
+          <a:effectRef idx="2">
+            <a:schemeClr val="accent5"/>
+          </a:effectRef>
+          <a:fontRef idx="minor">
+            <a:schemeClr val="lt1"/>
+          </a:fontRef>
+        </p:style>
+      </p:cxnSp>
+      <p:cxnSp>
+        <p:nvCxnSpPr>
+          <p:cNvPr id="28" name="肘形连接符 27"/>
+          <p:cNvCxnSpPr>
+            <a:stCxn id="12" idx="3"/>
+            <a:endCxn id="21" idx="1"/>
+          </p:cNvCxnSpPr>
+          <p:nvPr/>
+        </p:nvCxnSpPr>
+        <p:spPr>
+          <a:xfrm>
+            <a:off x="6992474" y="1710469"/>
+            <a:ext cx="505607" cy="591671"/>
+          </a:xfrm>
+          <a:prstGeom prst="bentConnector3">
+            <a:avLst/>
+          </a:prstGeom>
+          <a:ln>
+            <a:tailEnd type="triangle"/>
+          </a:ln>
+        </p:spPr>
+        <p:style>
+          <a:lnRef idx="1">
+            <a:schemeClr val="accent5"/>
+          </a:lnRef>
+          <a:fillRef idx="3">
+            <a:schemeClr val="accent5"/>
+          </a:fillRef>
+          <a:effectRef idx="2">
+            <a:schemeClr val="accent5"/>
+          </a:effectRef>
+          <a:fontRef idx="minor">
+            <a:schemeClr val="lt1"/>
+          </a:fontRef>
+        </p:style>
+      </p:cxnSp>
+      <p:cxnSp>
+        <p:nvCxnSpPr>
+          <p:cNvPr id="29" name="肘形连接符 28"/>
+          <p:cNvCxnSpPr>
+            <a:stCxn id="13" idx="3"/>
+            <a:endCxn id="23" idx="1"/>
+          </p:cNvCxnSpPr>
+          <p:nvPr/>
+        </p:nvCxnSpPr>
+        <p:spPr>
+          <a:xfrm flipV="1">
+            <a:off x="6992474" y="2951630"/>
+            <a:ext cx="505607" cy="6725"/>
+          </a:xfrm>
+          <a:prstGeom prst="bentConnector3">
+            <a:avLst/>
+          </a:prstGeom>
+          <a:ln>
+            <a:tailEnd type="triangle"/>
+          </a:ln>
+        </p:spPr>
+        <p:style>
+          <a:lnRef idx="1">
+            <a:schemeClr val="accent5"/>
+          </a:lnRef>
+          <a:fillRef idx="3">
+            <a:schemeClr val="accent5"/>
+          </a:fillRef>
+          <a:effectRef idx="2">
+            <a:schemeClr val="accent5"/>
+          </a:effectRef>
+          <a:fontRef idx="minor">
+            <a:schemeClr val="lt1"/>
+          </a:fontRef>
+        </p:style>
+      </p:cxnSp>
+      <p:cxnSp>
+        <p:nvCxnSpPr>
+          <p:cNvPr id="30" name="肘形连接符 29"/>
+          <p:cNvCxnSpPr>
+            <a:stCxn id="7" idx="3"/>
+            <a:endCxn id="24" idx="1"/>
+          </p:cNvCxnSpPr>
+          <p:nvPr/>
+        </p:nvCxnSpPr>
+        <p:spPr>
+          <a:xfrm>
+            <a:off x="6949443" y="4367608"/>
+            <a:ext cx="548638" cy="3"/>
+          </a:xfrm>
+          <a:prstGeom prst="bentConnector3">
+            <a:avLst/>
+          </a:prstGeom>
+          <a:ln>
+            <a:tailEnd type="triangle"/>
+          </a:ln>
+        </p:spPr>
+        <p:style>
+          <a:lnRef idx="1">
+            <a:schemeClr val="accent5"/>
+          </a:lnRef>
+          <a:fillRef idx="3">
+            <a:schemeClr val="accent5"/>
+          </a:fillRef>
+          <a:effectRef idx="2">
+            <a:schemeClr val="accent5"/>
+          </a:effectRef>
+          <a:fontRef idx="minor">
+            <a:schemeClr val="lt1"/>
+          </a:fontRef>
+        </p:style>
+      </p:cxnSp>
+      <p:cxnSp>
+        <p:nvCxnSpPr>
+          <p:cNvPr id="31" name="肘形连接符 30"/>
+          <p:cNvCxnSpPr>
+            <a:endCxn id="25" idx="1"/>
+          </p:cNvCxnSpPr>
+          <p:nvPr/>
+        </p:nvCxnSpPr>
+        <p:spPr>
+          <a:xfrm>
+            <a:off x="6680494" y="5195948"/>
+            <a:ext cx="817587" cy="1"/>
+          </a:xfrm>
+          <a:prstGeom prst="bentConnector3">
+            <a:avLst/>
+          </a:prstGeom>
+          <a:ln>
+            <a:tailEnd type="triangle"/>
+          </a:ln>
+        </p:spPr>
+        <p:style>
+          <a:lnRef idx="1">
+            <a:schemeClr val="accent5"/>
+          </a:lnRef>
+          <a:fillRef idx="3">
+            <a:schemeClr val="accent5"/>
+          </a:fillRef>
+          <a:effectRef idx="2">
+            <a:schemeClr val="accent5"/>
+          </a:effectRef>
+          <a:fontRef idx="minor">
+            <a:schemeClr val="lt1"/>
+          </a:fontRef>
+        </p:style>
+      </p:cxnSp>
+      <p:sp>
+        <p:nvSpPr>
+          <p:cNvPr id="33" name="文本框 32"/>
+          <p:cNvSpPr txBox="1"/>
+          <p:nvPr/>
+        </p:nvSpPr>
+        <p:spPr>
+          <a:xfrm>
+            <a:off x="8918091" y="2148250"/>
+            <a:ext cx="2709396" cy="523220"/>
+          </a:xfrm>
+          <a:prstGeom prst="rect">
+            <a:avLst/>
+          </a:prstGeom>
+          <a:noFill/>
+        </p:spPr>
+        <p:txBody>
+          <a:bodyPr wrap="none" rtlCol="0">
+            <a:spAutoFit/>
+          </a:bodyPr>
+          <a:lstStyle/>
+          <a:p>
+            <a:r>
+              <a:rPr lang="zh-CN" altLang="en-US" sz="1400" dirty="0" smtClean="0"/>
+              <a:t>最新朋友圈热数据查询</a:t>
+            </a:r>
+            <a:r>
+              <a:rPr lang="en-US" altLang="zh-CN" sz="1400" dirty="0" err="1" smtClean="0"/>
+              <a:t>redis</a:t>
+            </a:r>
+            <a:r>
+              <a:rPr lang="zh-CN" altLang="en-US" sz="1400" dirty="0" smtClean="0"/>
+              <a:t>缓存</a:t>
+            </a:r>
+            <a:endParaRPr lang="en-US" altLang="zh-CN" sz="1400" dirty="0" smtClean="0"/>
+          </a:p>
+          <a:p>
+            <a:r>
+              <a:rPr lang="zh-CN" altLang="en-US" sz="1400" dirty="0" smtClean="0"/>
+              <a:t>历史冷数据查询</a:t>
+            </a:r>
+            <a:r>
+              <a:rPr lang="en-US" altLang="zh-CN" sz="1400" dirty="0" smtClean="0"/>
+              <a:t>MySQL</a:t>
+            </a:r>
+            <a:endParaRPr lang="zh-CN" altLang="en-US" sz="1400" dirty="0"/>
+          </a:p>
+        </p:txBody>
+      </p:sp>
+      <p:sp>
+        <p:nvSpPr>
+          <p:cNvPr id="35" name="文本框 34"/>
+          <p:cNvSpPr txBox="1"/>
+          <p:nvPr/>
+        </p:nvSpPr>
+        <p:spPr>
+          <a:xfrm>
+            <a:off x="8918091" y="4213718"/>
+            <a:ext cx="2339102" cy="307777"/>
+          </a:xfrm>
+          <a:prstGeom prst="rect">
+            <a:avLst/>
+          </a:prstGeom>
+          <a:noFill/>
+        </p:spPr>
+        <p:txBody>
+          <a:bodyPr wrap="none" rtlCol="0">
+            <a:spAutoFit/>
+          </a:bodyPr>
+          <a:lstStyle/>
+          <a:p>
+            <a:r>
+              <a:rPr lang="zh-CN" altLang="en-US" sz="1400" dirty="0" smtClean="0"/>
+              <a:t>不存在任务拆分，负载均衡</a:t>
+            </a:r>
+            <a:endParaRPr lang="zh-CN" altLang="en-US" sz="1400" dirty="0"/>
+          </a:p>
+        </p:txBody>
+      </p:sp>
+    </p:spTree>
+    <p:extLst>
+      <p:ext uri="{BB962C8B-B14F-4D97-AF65-F5344CB8AC3E}">
+        <p14:creationId xmlns:p14="http://schemas.microsoft.com/office/powerpoint/2010/main" val="3305333714"/>
+      </p:ext>
+    </p:extLst>
+  </p:cSld>
+  <p:clrMapOvr>
+    <a:masterClrMapping/>
+  </p:clrMapOvr>
+</p:sld>
+</file>
+
+<file path=ppt/slides/slide6.xml><?xml version="1.0" encoding="utf-8"?>
+<p:sld xmlns:a="http://schemas.openxmlformats.org/drawingml/2006/main" xmlns:r="http://schemas.openxmlformats.org/officeDocument/2006/relationships" xmlns:p="http://schemas.openxmlformats.org/presentationml/2006/main">
+  <p:cSld>
+    <p:spTree>
+      <p:nvGrpSpPr>
+        <p:cNvPr id="1" name=""/>
+        <p:cNvGrpSpPr/>
+        <p:nvPr/>
+      </p:nvGrpSpPr>
+      <p:grpSpPr>
+        <a:xfrm>
+          <a:off x="0" y="0"/>
+          <a:ext cx="0" cy="0"/>
+          <a:chOff x="0" y="0"/>
+          <a:chExt cx="0" cy="0"/>
+        </a:xfrm>
+      </p:grpSpPr>
+      <p:pic>
+        <p:nvPicPr>
+          <p:cNvPr id="4" name="内容占位符 3"/>
+          <p:cNvPicPr>
+            <a:picLocks noGrp="1" noChangeAspect="1"/>
+          </p:cNvPicPr>
+          <p:nvPr>
+            <p:ph idx="1"/>
+          </p:nvPr>
+        </p:nvPicPr>
+        <p:blipFill>
+          <a:blip r:embed="rId2">
+            <a:extLst>
+              <a:ext uri="{28A0092B-C50C-407E-A947-70E740481C1C}">
+                <a14:useLocalDpi xmlns:a14="http://schemas.microsoft.com/office/drawing/2010/main" val="0"/>
+              </a:ext>
+            </a:extLst>
+          </a:blip>
+          <a:stretch>
+            <a:fillRect/>
+          </a:stretch>
+        </p:blipFill>
+        <p:spPr>
+          <a:xfrm>
+            <a:off x="1624405" y="325525"/>
+            <a:ext cx="7704073" cy="6195682"/>
+          </a:xfrm>
+        </p:spPr>
+      </p:pic>
+    </p:spTree>
+    <p:extLst>
+      <p:ext uri="{BB962C8B-B14F-4D97-AF65-F5344CB8AC3E}">
+        <p14:creationId xmlns:p14="http://schemas.microsoft.com/office/powerpoint/2010/main" val="3442346261"/>
+      </p:ext>
+    </p:extLst>
+  </p:cSld>
+  <p:clrMapOvr>
+    <a:masterClrMapping/>
+  </p:clrMapOvr>
+</p:sld>
+</file>
+
+<file path=ppt/slides/slide7.xml><?xml version="1.0" encoding="utf-8"?>
+<p:sld xmlns:a="http://schemas.openxmlformats.org/drawingml/2006/main" xmlns:r="http://schemas.openxmlformats.org/officeDocument/2006/relationships" xmlns:p="http://schemas.openxmlformats.org/presentationml/2006/main">
+  <p:cSld>
+    <p:spTree>
+      <p:nvGrpSpPr>
+        <p:cNvPr id="1" name=""/>
+        <p:cNvGrpSpPr/>
+        <p:nvPr/>
+      </p:nvGrpSpPr>
+      <p:grpSpPr>
+        <a:xfrm>
+          <a:off x="0" y="0"/>
+          <a:ext cx="0" cy="0"/>
+          <a:chOff x="0" y="0"/>
+          <a:chExt cx="0" cy="0"/>
+        </a:xfrm>
+      </p:grpSpPr>
+      <p:sp>
+        <p:nvSpPr>
+          <p:cNvPr id="2" name="标题 1"/>
+          <p:cNvSpPr>
+            <a:spLocks noGrp="1"/>
+          </p:cNvSpPr>
+          <p:nvPr>
+            <p:ph type="title"/>
+          </p:nvPr>
+        </p:nvSpPr>
+        <p:spPr>
+          <a:xfrm>
+            <a:off x="290457" y="0"/>
+            <a:ext cx="4389120" cy="1075765"/>
+          </a:xfrm>
+        </p:spPr>
+        <p:txBody>
+          <a:bodyPr>
+            <a:normAutofit/>
+          </a:bodyPr>
+          <a:lstStyle/>
+          <a:p>
+            <a:r>
+              <a:rPr lang="zh-CN" altLang="en-US" sz="3200" dirty="0" smtClean="0"/>
+              <a:t>单机房部署架构</a:t>
+            </a:r>
+            <a:endParaRPr lang="zh-CN" altLang="en-US" sz="3200" dirty="0"/>
+          </a:p>
+        </p:txBody>
+      </p:sp>
+      <p:pic>
+        <p:nvPicPr>
+          <p:cNvPr id="4" name="图片 3"/>
+          <p:cNvPicPr>
+            <a:picLocks noChangeAspect="1"/>
+          </p:cNvPicPr>
+          <p:nvPr/>
+        </p:nvPicPr>
+        <p:blipFill>
+          <a:blip r:embed="rId2">
+            <a:extLst>
+              <a:ext uri="{28A0092B-C50C-407E-A947-70E740481C1C}">
+                <a14:useLocalDpi xmlns:a14="http://schemas.microsoft.com/office/drawing/2010/main" val="0"/>
+              </a:ext>
+            </a:extLst>
+          </a:blip>
+          <a:stretch>
+            <a:fillRect/>
+          </a:stretch>
+        </p:blipFill>
+        <p:spPr>
+          <a:xfrm>
+            <a:off x="1420009" y="850868"/>
+            <a:ext cx="10343744" cy="5867282"/>
+          </a:xfrm>
+          <a:prstGeom prst="rect">
+            <a:avLst/>
+          </a:prstGeom>
+        </p:spPr>
+      </p:pic>
+    </p:spTree>
+    <p:extLst>
+      <p:ext uri="{BB962C8B-B14F-4D97-AF65-F5344CB8AC3E}">
+        <p14:creationId xmlns:p14="http://schemas.microsoft.com/office/powerpoint/2010/main" val="2011088772"/>
       </p:ext>
     </p:extLst>
   </p:cSld>

--- a/part-02/02-homework.pptx
+++ b/part-02/02-homework.pptx
@@ -4,6 +4,9 @@
   <p:sldMasterIdLst>
     <p:sldMasterId id="2147483648" r:id="rId1"/>
   </p:sldMasterIdLst>
+  <p:notesMasterIdLst>
+    <p:notesMasterId r:id="rId9"/>
+  </p:notesMasterIdLst>
   <p:sldIdLst>
     <p:sldId id="257" r:id="rId2"/>
     <p:sldId id="256" r:id="rId3"/>
@@ -110,7 +113,446 @@
       </a:defRPr>
     </a:lvl9pPr>
   </p:defaultTextStyle>
+  <p:extLst>
+    <p:ext uri="{EFAFB233-063F-42B5-8137-9DF3F51BA10A}">
+      <p15:sldGuideLst xmlns:p15="http://schemas.microsoft.com/office/powerpoint/2012/main"/>
+    </p:ext>
+  </p:extLst>
 </p:presentation>
+</file>
+
+<file path=ppt/notesMasters/notesMaster1.xml><?xml version="1.0" encoding="utf-8"?>
+<p:notesMaster xmlns:a="http://schemas.openxmlformats.org/drawingml/2006/main" xmlns:r="http://schemas.openxmlformats.org/officeDocument/2006/relationships" xmlns:p="http://schemas.openxmlformats.org/presentationml/2006/main">
+  <p:cSld>
+    <p:bg>
+      <p:bgRef idx="1001">
+        <a:schemeClr val="bg1"/>
+      </p:bgRef>
+    </p:bg>
+    <p:spTree>
+      <p:nvGrpSpPr>
+        <p:cNvPr id="1" name=""/>
+        <p:cNvGrpSpPr/>
+        <p:nvPr/>
+      </p:nvGrpSpPr>
+      <p:grpSpPr>
+        <a:xfrm>
+          <a:off x="0" y="0"/>
+          <a:ext cx="0" cy="0"/>
+          <a:chOff x="0" y="0"/>
+          <a:chExt cx="0" cy="0"/>
+        </a:xfrm>
+      </p:grpSpPr>
+      <p:sp>
+        <p:nvSpPr>
+          <p:cNvPr id="2" name="页眉占位符 1"/>
+          <p:cNvSpPr>
+            <a:spLocks noGrp="1"/>
+          </p:cNvSpPr>
+          <p:nvPr>
+            <p:ph type="hdr" sz="quarter"/>
+          </p:nvPr>
+        </p:nvSpPr>
+        <p:spPr>
+          <a:xfrm>
+            <a:off x="0" y="0"/>
+            <a:ext cx="2971800" cy="458788"/>
+          </a:xfrm>
+          <a:prstGeom prst="rect">
+            <a:avLst/>
+          </a:prstGeom>
+        </p:spPr>
+        <p:txBody>
+          <a:bodyPr vert="horz" lIns="91440" tIns="45720" rIns="91440" bIns="45720" rtlCol="0"/>
+          <a:lstStyle>
+            <a:lvl1pPr algn="l">
+              <a:defRPr sz="1200"/>
+            </a:lvl1pPr>
+          </a:lstStyle>
+          <a:p>
+            <a:endParaRPr lang="zh-CN" altLang="en-US"/>
+          </a:p>
+        </p:txBody>
+      </p:sp>
+      <p:sp>
+        <p:nvSpPr>
+          <p:cNvPr id="3" name="日期占位符 2"/>
+          <p:cNvSpPr>
+            <a:spLocks noGrp="1"/>
+          </p:cNvSpPr>
+          <p:nvPr>
+            <p:ph type="dt" idx="1"/>
+          </p:nvPr>
+        </p:nvSpPr>
+        <p:spPr>
+          <a:xfrm>
+            <a:off x="3884613" y="0"/>
+            <a:ext cx="2971800" cy="458788"/>
+          </a:xfrm>
+          <a:prstGeom prst="rect">
+            <a:avLst/>
+          </a:prstGeom>
+        </p:spPr>
+        <p:txBody>
+          <a:bodyPr vert="horz" lIns="91440" tIns="45720" rIns="91440" bIns="45720" rtlCol="0"/>
+          <a:lstStyle>
+            <a:lvl1pPr algn="r">
+              <a:defRPr sz="1200"/>
+            </a:lvl1pPr>
+          </a:lstStyle>
+          <a:p>
+            <a:fld id="{440EC2FC-E480-4398-980F-6A26C1985652}" type="datetimeFigureOut">
+              <a:rPr lang="zh-CN" altLang="en-US" smtClean="0"/>
+              <a:t>2021/11/7 Sunday</a:t>
+            </a:fld>
+            <a:endParaRPr lang="zh-CN" altLang="en-US"/>
+          </a:p>
+        </p:txBody>
+      </p:sp>
+      <p:sp>
+        <p:nvSpPr>
+          <p:cNvPr id="4" name="幻灯片图像占位符 3"/>
+          <p:cNvSpPr>
+            <a:spLocks noGrp="1" noRot="1" noChangeAspect="1"/>
+          </p:cNvSpPr>
+          <p:nvPr>
+            <p:ph type="sldImg" idx="2"/>
+          </p:nvPr>
+        </p:nvSpPr>
+        <p:spPr>
+          <a:xfrm>
+            <a:off x="685800" y="1143000"/>
+            <a:ext cx="5486400" cy="3086100"/>
+          </a:xfrm>
+          <a:prstGeom prst="rect">
+            <a:avLst/>
+          </a:prstGeom>
+          <a:noFill/>
+          <a:ln w="12700">
+            <a:solidFill>
+              <a:prstClr val="black"/>
+            </a:solidFill>
+          </a:ln>
+        </p:spPr>
+        <p:txBody>
+          <a:bodyPr vert="horz" lIns="91440" tIns="45720" rIns="91440" bIns="45720" rtlCol="0" anchor="ctr"/>
+          <a:lstStyle/>
+          <a:p>
+            <a:endParaRPr lang="zh-CN" altLang="en-US"/>
+          </a:p>
+        </p:txBody>
+      </p:sp>
+      <p:sp>
+        <p:nvSpPr>
+          <p:cNvPr id="5" name="备注占位符 4"/>
+          <p:cNvSpPr>
+            <a:spLocks noGrp="1"/>
+          </p:cNvSpPr>
+          <p:nvPr>
+            <p:ph type="body" sz="quarter" idx="3"/>
+          </p:nvPr>
+        </p:nvSpPr>
+        <p:spPr>
+          <a:xfrm>
+            <a:off x="685800" y="4400550"/>
+            <a:ext cx="5486400" cy="3600450"/>
+          </a:xfrm>
+          <a:prstGeom prst="rect">
+            <a:avLst/>
+          </a:prstGeom>
+        </p:spPr>
+        <p:txBody>
+          <a:bodyPr vert="horz" lIns="91440" tIns="45720" rIns="91440" bIns="45720" rtlCol="0"/>
+          <a:lstStyle/>
+          <a:p>
+            <a:pPr lvl="0"/>
+            <a:r>
+              <a:rPr lang="zh-CN" altLang="en-US" smtClean="0"/>
+              <a:t>编辑母版文本样式</a:t>
+            </a:r>
+          </a:p>
+          <a:p>
+            <a:pPr lvl="1"/>
+            <a:r>
+              <a:rPr lang="zh-CN" altLang="en-US" smtClean="0"/>
+              <a:t>第二级</a:t>
+            </a:r>
+          </a:p>
+          <a:p>
+            <a:pPr lvl="2"/>
+            <a:r>
+              <a:rPr lang="zh-CN" altLang="en-US" smtClean="0"/>
+              <a:t>第三级</a:t>
+            </a:r>
+          </a:p>
+          <a:p>
+            <a:pPr lvl="3"/>
+            <a:r>
+              <a:rPr lang="zh-CN" altLang="en-US" smtClean="0"/>
+              <a:t>第四级</a:t>
+            </a:r>
+          </a:p>
+          <a:p>
+            <a:pPr lvl="4"/>
+            <a:r>
+              <a:rPr lang="zh-CN" altLang="en-US" smtClean="0"/>
+              <a:t>第五级</a:t>
+            </a:r>
+            <a:endParaRPr lang="zh-CN" altLang="en-US"/>
+          </a:p>
+        </p:txBody>
+      </p:sp>
+      <p:sp>
+        <p:nvSpPr>
+          <p:cNvPr id="6" name="页脚占位符 5"/>
+          <p:cNvSpPr>
+            <a:spLocks noGrp="1"/>
+          </p:cNvSpPr>
+          <p:nvPr>
+            <p:ph type="ftr" sz="quarter" idx="4"/>
+          </p:nvPr>
+        </p:nvSpPr>
+        <p:spPr>
+          <a:xfrm>
+            <a:off x="0" y="8685213"/>
+            <a:ext cx="2971800" cy="458787"/>
+          </a:xfrm>
+          <a:prstGeom prst="rect">
+            <a:avLst/>
+          </a:prstGeom>
+        </p:spPr>
+        <p:txBody>
+          <a:bodyPr vert="horz" lIns="91440" tIns="45720" rIns="91440" bIns="45720" rtlCol="0" anchor="b"/>
+          <a:lstStyle>
+            <a:lvl1pPr algn="l">
+              <a:defRPr sz="1200"/>
+            </a:lvl1pPr>
+          </a:lstStyle>
+          <a:p>
+            <a:endParaRPr lang="zh-CN" altLang="en-US"/>
+          </a:p>
+        </p:txBody>
+      </p:sp>
+      <p:sp>
+        <p:nvSpPr>
+          <p:cNvPr id="7" name="灯片编号占位符 6"/>
+          <p:cNvSpPr>
+            <a:spLocks noGrp="1"/>
+          </p:cNvSpPr>
+          <p:nvPr>
+            <p:ph type="sldNum" sz="quarter" idx="5"/>
+          </p:nvPr>
+        </p:nvSpPr>
+        <p:spPr>
+          <a:xfrm>
+            <a:off x="3884613" y="8685213"/>
+            <a:ext cx="2971800" cy="458787"/>
+          </a:xfrm>
+          <a:prstGeom prst="rect">
+            <a:avLst/>
+          </a:prstGeom>
+        </p:spPr>
+        <p:txBody>
+          <a:bodyPr vert="horz" lIns="91440" tIns="45720" rIns="91440" bIns="45720" rtlCol="0" anchor="b"/>
+          <a:lstStyle>
+            <a:lvl1pPr algn="r">
+              <a:defRPr sz="1200"/>
+            </a:lvl1pPr>
+          </a:lstStyle>
+          <a:p>
+            <a:fld id="{BAA30139-BA34-40AB-8FA3-35A6734111C5}" type="slidenum">
+              <a:rPr lang="zh-CN" altLang="en-US" smtClean="0"/>
+              <a:t>‹#›</a:t>
+            </a:fld>
+            <a:endParaRPr lang="zh-CN" altLang="en-US"/>
+          </a:p>
+        </p:txBody>
+      </p:sp>
+    </p:spTree>
+    <p:extLst>
+      <p:ext uri="{BB962C8B-B14F-4D97-AF65-F5344CB8AC3E}">
+        <p14:creationId xmlns:p14="http://schemas.microsoft.com/office/powerpoint/2010/main" val="1006480064"/>
+      </p:ext>
+    </p:extLst>
+  </p:cSld>
+  <p:clrMap bg1="lt1" tx1="dk1" bg2="lt2" tx2="dk2" accent1="accent1" accent2="accent2" accent3="accent3" accent4="accent4" accent5="accent5" accent6="accent6" hlink="hlink" folHlink="folHlink"/>
+  <p:notesStyle>
+    <a:lvl1pPr marL="0" algn="l" defTabSz="914400" rtl="0" eaLnBrk="1" latinLnBrk="0" hangingPunct="1">
+      <a:defRPr sz="1200" kern="1200">
+        <a:solidFill>
+          <a:schemeClr val="tx1"/>
+        </a:solidFill>
+        <a:latin typeface="+mn-lt"/>
+        <a:ea typeface="+mn-ea"/>
+        <a:cs typeface="+mn-cs"/>
+      </a:defRPr>
+    </a:lvl1pPr>
+    <a:lvl2pPr marL="457200" algn="l" defTabSz="914400" rtl="0" eaLnBrk="1" latinLnBrk="0" hangingPunct="1">
+      <a:defRPr sz="1200" kern="1200">
+        <a:solidFill>
+          <a:schemeClr val="tx1"/>
+        </a:solidFill>
+        <a:latin typeface="+mn-lt"/>
+        <a:ea typeface="+mn-ea"/>
+        <a:cs typeface="+mn-cs"/>
+      </a:defRPr>
+    </a:lvl2pPr>
+    <a:lvl3pPr marL="914400" algn="l" defTabSz="914400" rtl="0" eaLnBrk="1" latinLnBrk="0" hangingPunct="1">
+      <a:defRPr sz="1200" kern="1200">
+        <a:solidFill>
+          <a:schemeClr val="tx1"/>
+        </a:solidFill>
+        <a:latin typeface="+mn-lt"/>
+        <a:ea typeface="+mn-ea"/>
+        <a:cs typeface="+mn-cs"/>
+      </a:defRPr>
+    </a:lvl3pPr>
+    <a:lvl4pPr marL="1371600" algn="l" defTabSz="914400" rtl="0" eaLnBrk="1" latinLnBrk="0" hangingPunct="1">
+      <a:defRPr sz="1200" kern="1200">
+        <a:solidFill>
+          <a:schemeClr val="tx1"/>
+        </a:solidFill>
+        <a:latin typeface="+mn-lt"/>
+        <a:ea typeface="+mn-ea"/>
+        <a:cs typeface="+mn-cs"/>
+      </a:defRPr>
+    </a:lvl4pPr>
+    <a:lvl5pPr marL="1828800" algn="l" defTabSz="914400" rtl="0" eaLnBrk="1" latinLnBrk="0" hangingPunct="1">
+      <a:defRPr sz="1200" kern="1200">
+        <a:solidFill>
+          <a:schemeClr val="tx1"/>
+        </a:solidFill>
+        <a:latin typeface="+mn-lt"/>
+        <a:ea typeface="+mn-ea"/>
+        <a:cs typeface="+mn-cs"/>
+      </a:defRPr>
+    </a:lvl5pPr>
+    <a:lvl6pPr marL="2286000" algn="l" defTabSz="914400" rtl="0" eaLnBrk="1" latinLnBrk="0" hangingPunct="1">
+      <a:defRPr sz="1200" kern="1200">
+        <a:solidFill>
+          <a:schemeClr val="tx1"/>
+        </a:solidFill>
+        <a:latin typeface="+mn-lt"/>
+        <a:ea typeface="+mn-ea"/>
+        <a:cs typeface="+mn-cs"/>
+      </a:defRPr>
+    </a:lvl6pPr>
+    <a:lvl7pPr marL="2743200" algn="l" defTabSz="914400" rtl="0" eaLnBrk="1" latinLnBrk="0" hangingPunct="1">
+      <a:defRPr sz="1200" kern="1200">
+        <a:solidFill>
+          <a:schemeClr val="tx1"/>
+        </a:solidFill>
+        <a:latin typeface="+mn-lt"/>
+        <a:ea typeface="+mn-ea"/>
+        <a:cs typeface="+mn-cs"/>
+      </a:defRPr>
+    </a:lvl7pPr>
+    <a:lvl8pPr marL="3200400" algn="l" defTabSz="914400" rtl="0" eaLnBrk="1" latinLnBrk="0" hangingPunct="1">
+      <a:defRPr sz="1200" kern="1200">
+        <a:solidFill>
+          <a:schemeClr val="tx1"/>
+        </a:solidFill>
+        <a:latin typeface="+mn-lt"/>
+        <a:ea typeface="+mn-ea"/>
+        <a:cs typeface="+mn-cs"/>
+      </a:defRPr>
+    </a:lvl8pPr>
+    <a:lvl9pPr marL="3657600" algn="l" defTabSz="914400" rtl="0" eaLnBrk="1" latinLnBrk="0" hangingPunct="1">
+      <a:defRPr sz="1200" kern="1200">
+        <a:solidFill>
+          <a:schemeClr val="tx1"/>
+        </a:solidFill>
+        <a:latin typeface="+mn-lt"/>
+        <a:ea typeface="+mn-ea"/>
+        <a:cs typeface="+mn-cs"/>
+      </a:defRPr>
+    </a:lvl9pPr>
+  </p:notesStyle>
+</p:notesMaster>
+</file>
+
+<file path=ppt/notesSlides/notesSlide1.xml><?xml version="1.0" encoding="utf-8"?>
+<p:notes xmlns:a="http://schemas.openxmlformats.org/drawingml/2006/main" xmlns:r="http://schemas.openxmlformats.org/officeDocument/2006/relationships" xmlns:p="http://schemas.openxmlformats.org/presentationml/2006/main">
+  <p:cSld>
+    <p:spTree>
+      <p:nvGrpSpPr>
+        <p:cNvPr id="1" name=""/>
+        <p:cNvGrpSpPr/>
+        <p:nvPr/>
+      </p:nvGrpSpPr>
+      <p:grpSpPr>
+        <a:xfrm>
+          <a:off x="0" y="0"/>
+          <a:ext cx="0" cy="0"/>
+          <a:chOff x="0" y="0"/>
+          <a:chExt cx="0" cy="0"/>
+        </a:xfrm>
+      </p:grpSpPr>
+      <p:sp>
+        <p:nvSpPr>
+          <p:cNvPr id="2" name="幻灯片图像占位符 1"/>
+          <p:cNvSpPr>
+            <a:spLocks noGrp="1" noRot="1" noChangeAspect="1"/>
+          </p:cNvSpPr>
+          <p:nvPr>
+            <p:ph type="sldImg"/>
+          </p:nvPr>
+        </p:nvSpPr>
+        <p:spPr/>
+      </p:sp>
+      <p:sp>
+        <p:nvSpPr>
+          <p:cNvPr id="3" name="备注占位符 2"/>
+          <p:cNvSpPr>
+            <a:spLocks noGrp="1"/>
+          </p:cNvSpPr>
+          <p:nvPr>
+            <p:ph type="body" idx="1"/>
+          </p:nvPr>
+        </p:nvSpPr>
+        <p:spPr/>
+        <p:txBody>
+          <a:bodyPr/>
+          <a:lstStyle/>
+          <a:p>
+            <a:endParaRPr lang="zh-CN" altLang="en-US" dirty="0"/>
+          </a:p>
+        </p:txBody>
+      </p:sp>
+      <p:sp>
+        <p:nvSpPr>
+          <p:cNvPr id="4" name="灯片编号占位符 3"/>
+          <p:cNvSpPr>
+            <a:spLocks noGrp="1"/>
+          </p:cNvSpPr>
+          <p:nvPr>
+            <p:ph type="sldNum" sz="quarter" idx="10"/>
+          </p:nvPr>
+        </p:nvSpPr>
+        <p:spPr/>
+        <p:txBody>
+          <a:bodyPr/>
+          <a:lstStyle/>
+          <a:p>
+            <a:fld id="{BAA30139-BA34-40AB-8FA3-35A6734111C5}" type="slidenum">
+              <a:rPr lang="zh-CN" altLang="en-US" smtClean="0"/>
+              <a:t>2</a:t>
+            </a:fld>
+            <a:endParaRPr lang="zh-CN" altLang="en-US"/>
+          </a:p>
+        </p:txBody>
+      </p:sp>
+    </p:spTree>
+    <p:extLst>
+      <p:ext uri="{BB962C8B-B14F-4D97-AF65-F5344CB8AC3E}">
+        <p14:creationId xmlns:p14="http://schemas.microsoft.com/office/powerpoint/2010/main" val="3970944327"/>
+      </p:ext>
+    </p:extLst>
+  </p:cSld>
+  <p:clrMapOvr>
+    <a:masterClrMapping/>
+  </p:clrMapOvr>
+</p:notes>
 </file>
 
 <file path=ppt/slideLayouts/slideLayout1.xml><?xml version="1.0" encoding="utf-8"?>
@@ -244,7 +686,7 @@
           <a:p>
             <a:fld id="{B2765A29-E9C5-4AE0-8E11-E39C7076A025}" type="datetimeFigureOut">
               <a:rPr lang="zh-CN" altLang="en-US" smtClean="0"/>
-              <a:t>2021/11/6 Saturday</a:t>
+              <a:t>2021/11/7 Sunday</a:t>
             </a:fld>
             <a:endParaRPr lang="zh-CN" altLang="en-US"/>
           </a:p>
@@ -414,7 +856,7 @@
           <a:p>
             <a:fld id="{B2765A29-E9C5-4AE0-8E11-E39C7076A025}" type="datetimeFigureOut">
               <a:rPr lang="zh-CN" altLang="en-US" smtClean="0"/>
-              <a:t>2021/11/6 Saturday</a:t>
+              <a:t>2021/11/7 Sunday</a:t>
             </a:fld>
             <a:endParaRPr lang="zh-CN" altLang="en-US"/>
           </a:p>
@@ -594,7 +1036,7 @@
           <a:p>
             <a:fld id="{B2765A29-E9C5-4AE0-8E11-E39C7076A025}" type="datetimeFigureOut">
               <a:rPr lang="zh-CN" altLang="en-US" smtClean="0"/>
-              <a:t>2021/11/6 Saturday</a:t>
+              <a:t>2021/11/7 Sunday</a:t>
             </a:fld>
             <a:endParaRPr lang="zh-CN" altLang="en-US"/>
           </a:p>
@@ -764,7 +1206,7 @@
           <a:p>
             <a:fld id="{B2765A29-E9C5-4AE0-8E11-E39C7076A025}" type="datetimeFigureOut">
               <a:rPr lang="zh-CN" altLang="en-US" smtClean="0"/>
-              <a:t>2021/11/6 Saturday</a:t>
+              <a:t>2021/11/7 Sunday</a:t>
             </a:fld>
             <a:endParaRPr lang="zh-CN" altLang="en-US"/>
           </a:p>
@@ -1010,7 +1452,7 @@
           <a:p>
             <a:fld id="{B2765A29-E9C5-4AE0-8E11-E39C7076A025}" type="datetimeFigureOut">
               <a:rPr lang="zh-CN" altLang="en-US" smtClean="0"/>
-              <a:t>2021/11/6 Saturday</a:t>
+              <a:t>2021/11/7 Sunday</a:t>
             </a:fld>
             <a:endParaRPr lang="zh-CN" altLang="en-US"/>
           </a:p>
@@ -1242,7 +1684,7 @@
           <a:p>
             <a:fld id="{B2765A29-E9C5-4AE0-8E11-E39C7076A025}" type="datetimeFigureOut">
               <a:rPr lang="zh-CN" altLang="en-US" smtClean="0"/>
-              <a:t>2021/11/6 Saturday</a:t>
+              <a:t>2021/11/7 Sunday</a:t>
             </a:fld>
             <a:endParaRPr lang="zh-CN" altLang="en-US"/>
           </a:p>
@@ -1609,7 +2051,7 @@
           <a:p>
             <a:fld id="{B2765A29-E9C5-4AE0-8E11-E39C7076A025}" type="datetimeFigureOut">
               <a:rPr lang="zh-CN" altLang="en-US" smtClean="0"/>
-              <a:t>2021/11/6 Saturday</a:t>
+              <a:t>2021/11/7 Sunday</a:t>
             </a:fld>
             <a:endParaRPr lang="zh-CN" altLang="en-US"/>
           </a:p>
@@ -1727,7 +2169,7 @@
           <a:p>
             <a:fld id="{B2765A29-E9C5-4AE0-8E11-E39C7076A025}" type="datetimeFigureOut">
               <a:rPr lang="zh-CN" altLang="en-US" smtClean="0"/>
-              <a:t>2021/11/6 Saturday</a:t>
+              <a:t>2021/11/7 Sunday</a:t>
             </a:fld>
             <a:endParaRPr lang="zh-CN" altLang="en-US"/>
           </a:p>
@@ -1822,7 +2264,7 @@
           <a:p>
             <a:fld id="{B2765A29-E9C5-4AE0-8E11-E39C7076A025}" type="datetimeFigureOut">
               <a:rPr lang="zh-CN" altLang="en-US" smtClean="0"/>
-              <a:t>2021/11/6 Saturday</a:t>
+              <a:t>2021/11/7 Sunday</a:t>
             </a:fld>
             <a:endParaRPr lang="zh-CN" altLang="en-US"/>
           </a:p>
@@ -2099,7 +2541,7 @@
           <a:p>
             <a:fld id="{B2765A29-E9C5-4AE0-8E11-E39C7076A025}" type="datetimeFigureOut">
               <a:rPr lang="zh-CN" altLang="en-US" smtClean="0"/>
-              <a:t>2021/11/6 Saturday</a:t>
+              <a:t>2021/11/7 Sunday</a:t>
             </a:fld>
             <a:endParaRPr lang="zh-CN" altLang="en-US"/>
           </a:p>
@@ -2352,7 +2794,7 @@
           <a:p>
             <a:fld id="{B2765A29-E9C5-4AE0-8E11-E39C7076A025}" type="datetimeFigureOut">
               <a:rPr lang="zh-CN" altLang="en-US" smtClean="0"/>
-              <a:t>2021/11/6 Saturday</a:t>
+              <a:t>2021/11/7 Sunday</a:t>
             </a:fld>
             <a:endParaRPr lang="zh-CN" altLang="en-US"/>
           </a:p>
@@ -2565,7 +3007,7 @@
           <a:p>
             <a:fld id="{B2765A29-E9C5-4AE0-8E11-E39C7076A025}" type="datetimeFigureOut">
               <a:rPr lang="zh-CN" altLang="en-US" smtClean="0"/>
-              <a:t>2021/11/6 Saturday</a:t>
+              <a:t>2021/11/7 Sunday</a:t>
             </a:fld>
             <a:endParaRPr lang="zh-CN" altLang="en-US"/>
           </a:p>
@@ -4184,7 +4626,7 @@
         </p:nvSpPr>
         <p:spPr>
           <a:xfrm>
-            <a:off x="147918" y="-5378"/>
+            <a:off x="212464" y="48410"/>
             <a:ext cx="6693950" cy="796067"/>
           </a:xfrm>
           <a:prstGeom prst="rect">
@@ -4234,6 +4676,13 @@
   <p:clrMapOvr>
     <a:masterClrMapping/>
   </p:clrMapOvr>
+  <p:timing>
+    <p:tnLst>
+      <p:par>
+        <p:cTn id="1" dur="indefinite" restart="never" nodeType="tmRoot"/>
+      </p:par>
+    </p:tnLst>
+  </p:timing>
 </p:sld>
 </file>
 
@@ -5441,6 +5890,13 @@
   <p:clrMapOvr>
     <a:masterClrMapping/>
   </p:clrMapOvr>
+  <p:timing>
+    <p:tnLst>
+      <p:par>
+        <p:cTn id="1" dur="indefinite" restart="never" nodeType="tmRoot"/>
+      </p:par>
+    </p:tnLst>
+  </p:timing>
 </p:sld>
 </file>
 
@@ -6641,6 +7097,13 @@
   <p:clrMapOvr>
     <a:masterClrMapping/>
   </p:clrMapOvr>
+  <p:timing>
+    <p:tnLst>
+      <p:par>
+        <p:cTn id="1" dur="indefinite" restart="never" nodeType="tmRoot"/>
+      </p:par>
+    </p:tnLst>
+  </p:timing>
 </p:sld>
 </file>
 
@@ -6790,6 +7253,13 @@
   <p:clrMapOvr>
     <a:masterClrMapping/>
   </p:clrMapOvr>
+  <p:timing>
+    <p:tnLst>
+      <p:par>
+        <p:cTn id="1" dur="indefinite" restart="never" nodeType="tmRoot"/>
+      </p:par>
+    </p:tnLst>
+  </p:timing>
 </p:sld>
 </file>
 
@@ -7052,4 +7522,265 @@
     </a:ext>
   </a:extLst>
 </a:theme>
+</file>
+
+<file path=ppt/theme/theme2.xml><?xml version="1.0" encoding="utf-8"?>
+<a:theme xmlns:a="http://schemas.openxmlformats.org/drawingml/2006/main" name="Office 主题​​">
+  <a:themeElements>
+    <a:clrScheme name="Office">
+      <a:dk1>
+        <a:sysClr val="windowText" lastClr="000000"/>
+      </a:dk1>
+      <a:lt1>
+        <a:sysClr val="window" lastClr="FFFFFF"/>
+      </a:lt1>
+      <a:dk2>
+        <a:srgbClr val="44546A"/>
+      </a:dk2>
+      <a:lt2>
+        <a:srgbClr val="E7E6E6"/>
+      </a:lt2>
+      <a:accent1>
+        <a:srgbClr val="5B9BD5"/>
+      </a:accent1>
+      <a:accent2>
+        <a:srgbClr val="ED7D31"/>
+      </a:accent2>
+      <a:accent3>
+        <a:srgbClr val="A5A5A5"/>
+      </a:accent3>
+      <a:accent4>
+        <a:srgbClr val="FFC000"/>
+      </a:accent4>
+      <a:accent5>
+        <a:srgbClr val="4472C4"/>
+      </a:accent5>
+      <a:accent6>
+        <a:srgbClr val="70AD47"/>
+      </a:accent6>
+      <a:hlink>
+        <a:srgbClr val="0563C1"/>
+      </a:hlink>
+      <a:folHlink>
+        <a:srgbClr val="954F72"/>
+      </a:folHlink>
+    </a:clrScheme>
+    <a:fontScheme name="Office">
+      <a:majorFont>
+        <a:latin typeface="等线 Light" panose="020F0302020204030204"/>
+        <a:ea typeface=""/>
+        <a:cs typeface=""/>
+        <a:font script="Jpan" typeface="游ゴシック Light"/>
+        <a:font script="Hang" typeface="맑은 고딕"/>
+        <a:font script="Hans" typeface="等线 Light"/>
+        <a:font script="Hant" typeface="新細明體"/>
+        <a:font script="Arab" typeface="Times New Roman"/>
+        <a:font script="Hebr" typeface="Times New Roman"/>
+        <a:font script="Thai" typeface="Angsana New"/>
+        <a:font script="Ethi" typeface="Nyala"/>
+        <a:font script="Beng" typeface="Vrinda"/>
+        <a:font script="Gujr" typeface="Shruti"/>
+        <a:font script="Khmr" typeface="MoolBoran"/>
+        <a:font script="Knda" typeface="Tunga"/>
+        <a:font script="Guru" typeface="Raavi"/>
+        <a:font script="Cans" typeface="Euphemia"/>
+        <a:font script="Cher" typeface="Plantagenet Cherokee"/>
+        <a:font script="Yiii" typeface="Microsoft Yi Baiti"/>
+        <a:font script="Tibt" typeface="Microsoft Himalaya"/>
+        <a:font script="Thaa" typeface="MV Boli"/>
+        <a:font script="Deva" typeface="Mangal"/>
+        <a:font script="Telu" typeface="Gautami"/>
+        <a:font script="Taml" typeface="Latha"/>
+        <a:font script="Syrc" typeface="Estrangelo Edessa"/>
+        <a:font script="Orya" typeface="Kalinga"/>
+        <a:font script="Mlym" typeface="Kartika"/>
+        <a:font script="Laoo" typeface="DokChampa"/>
+        <a:font script="Sinh" typeface="Iskoola Pota"/>
+        <a:font script="Mong" typeface="Mongolian Baiti"/>
+        <a:font script="Viet" typeface="Times New Roman"/>
+        <a:font script="Uigh" typeface="Microsoft Uighur"/>
+        <a:font script="Geor" typeface="Sylfaen"/>
+      </a:majorFont>
+      <a:minorFont>
+        <a:latin typeface="等线" panose="020F0502020204030204"/>
+        <a:ea typeface=""/>
+        <a:cs typeface=""/>
+        <a:font script="Jpan" typeface="游ゴシック"/>
+        <a:font script="Hang" typeface="맑은 고딕"/>
+        <a:font script="Hans" typeface="等线"/>
+        <a:font script="Hant" typeface="新細明體"/>
+        <a:font script="Arab" typeface="Arial"/>
+        <a:font script="Hebr" typeface="Arial"/>
+        <a:font script="Thai" typeface="Cordia New"/>
+        <a:font script="Ethi" typeface="Nyala"/>
+        <a:font script="Beng" typeface="Vrinda"/>
+        <a:font script="Gujr" typeface="Shruti"/>
+        <a:font script="Khmr" typeface="DaunPenh"/>
+        <a:font script="Knda" typeface="Tunga"/>
+        <a:font script="Guru" typeface="Raavi"/>
+        <a:font script="Cans" typeface="Euphemia"/>
+        <a:font script="Cher" typeface="Plantagenet Cherokee"/>
+        <a:font script="Yiii" typeface="Microsoft Yi Baiti"/>
+        <a:font script="Tibt" typeface="Microsoft Himalaya"/>
+        <a:font script="Thaa" typeface="MV Boli"/>
+        <a:font script="Deva" typeface="Mangal"/>
+        <a:font script="Telu" typeface="Gautami"/>
+        <a:font script="Taml" typeface="Latha"/>
+        <a:font script="Syrc" typeface="Estrangelo Edessa"/>
+        <a:font script="Orya" typeface="Kalinga"/>
+        <a:font script="Mlym" typeface="Kartika"/>
+        <a:font script="Laoo" typeface="DokChampa"/>
+        <a:font script="Sinh" typeface="Iskoola Pota"/>
+        <a:font script="Mong" typeface="Mongolian Baiti"/>
+        <a:font script="Viet" typeface="Arial"/>
+        <a:font script="Uigh" typeface="Microsoft Uighur"/>
+        <a:font script="Geor" typeface="Sylfaen"/>
+      </a:minorFont>
+    </a:fontScheme>
+    <a:fmtScheme name="Office">
+      <a:fillStyleLst>
+        <a:solidFill>
+          <a:schemeClr val="phClr"/>
+        </a:solidFill>
+        <a:gradFill rotWithShape="1">
+          <a:gsLst>
+            <a:gs pos="0">
+              <a:schemeClr val="phClr">
+                <a:lumMod val="110000"/>
+                <a:satMod val="105000"/>
+                <a:tint val="67000"/>
+              </a:schemeClr>
+            </a:gs>
+            <a:gs pos="50000">
+              <a:schemeClr val="phClr">
+                <a:lumMod val="105000"/>
+                <a:satMod val="103000"/>
+                <a:tint val="73000"/>
+              </a:schemeClr>
+            </a:gs>
+            <a:gs pos="100000">
+              <a:schemeClr val="phClr">
+                <a:lumMod val="105000"/>
+                <a:satMod val="109000"/>
+                <a:tint val="81000"/>
+              </a:schemeClr>
+            </a:gs>
+          </a:gsLst>
+          <a:lin ang="5400000" scaled="0"/>
+        </a:gradFill>
+        <a:gradFill rotWithShape="1">
+          <a:gsLst>
+            <a:gs pos="0">
+              <a:schemeClr val="phClr">
+                <a:satMod val="103000"/>
+                <a:lumMod val="102000"/>
+                <a:tint val="94000"/>
+              </a:schemeClr>
+            </a:gs>
+            <a:gs pos="50000">
+              <a:schemeClr val="phClr">
+                <a:satMod val="110000"/>
+                <a:lumMod val="100000"/>
+                <a:shade val="100000"/>
+              </a:schemeClr>
+            </a:gs>
+            <a:gs pos="100000">
+              <a:schemeClr val="phClr">
+                <a:lumMod val="99000"/>
+                <a:satMod val="120000"/>
+                <a:shade val="78000"/>
+              </a:schemeClr>
+            </a:gs>
+          </a:gsLst>
+          <a:lin ang="5400000" scaled="0"/>
+        </a:gradFill>
+      </a:fillStyleLst>
+      <a:lnStyleLst>
+        <a:ln w="6350" cap="flat" cmpd="sng" algn="ctr">
+          <a:solidFill>
+            <a:schemeClr val="phClr"/>
+          </a:solidFill>
+          <a:prstDash val="solid"/>
+          <a:miter lim="800000"/>
+        </a:ln>
+        <a:ln w="12700" cap="flat" cmpd="sng" algn="ctr">
+          <a:solidFill>
+            <a:schemeClr val="phClr"/>
+          </a:solidFill>
+          <a:prstDash val="solid"/>
+          <a:miter lim="800000"/>
+        </a:ln>
+        <a:ln w="19050" cap="flat" cmpd="sng" algn="ctr">
+          <a:solidFill>
+            <a:schemeClr val="phClr"/>
+          </a:solidFill>
+          <a:prstDash val="solid"/>
+          <a:miter lim="800000"/>
+        </a:ln>
+      </a:lnStyleLst>
+      <a:effectStyleLst>
+        <a:effectStyle>
+          <a:effectLst/>
+        </a:effectStyle>
+        <a:effectStyle>
+          <a:effectLst/>
+        </a:effectStyle>
+        <a:effectStyle>
+          <a:effectLst>
+            <a:outerShdw blurRad="57150" dist="19050" dir="5400000" algn="ctr" rotWithShape="0">
+              <a:srgbClr val="000000">
+                <a:alpha val="63000"/>
+              </a:srgbClr>
+            </a:outerShdw>
+          </a:effectLst>
+        </a:effectStyle>
+      </a:effectStyleLst>
+      <a:bgFillStyleLst>
+        <a:solidFill>
+          <a:schemeClr val="phClr"/>
+        </a:solidFill>
+        <a:solidFill>
+          <a:schemeClr val="phClr">
+            <a:tint val="95000"/>
+            <a:satMod val="170000"/>
+          </a:schemeClr>
+        </a:solidFill>
+        <a:gradFill rotWithShape="1">
+          <a:gsLst>
+            <a:gs pos="0">
+              <a:schemeClr val="phClr">
+                <a:tint val="93000"/>
+                <a:satMod val="150000"/>
+                <a:shade val="98000"/>
+                <a:lumMod val="102000"/>
+              </a:schemeClr>
+            </a:gs>
+            <a:gs pos="50000">
+              <a:schemeClr val="phClr">
+                <a:tint val="98000"/>
+                <a:satMod val="130000"/>
+                <a:shade val="90000"/>
+                <a:lumMod val="103000"/>
+              </a:schemeClr>
+            </a:gs>
+            <a:gs pos="100000">
+              <a:schemeClr val="phClr">
+                <a:shade val="63000"/>
+                <a:satMod val="120000"/>
+              </a:schemeClr>
+            </a:gs>
+          </a:gsLst>
+          <a:lin ang="5400000" scaled="0"/>
+        </a:gradFill>
+      </a:bgFillStyleLst>
+    </a:fmtScheme>
+  </a:themeElements>
+  <a:objectDefaults/>
+  <a:extraClrSchemeLst/>
+  <a:extLst>
+    <a:ext uri="{05A4C25C-085E-4340-85A3-A5531E510DB2}">
+      <thm15:themeFamily xmlns:thm15="http://schemas.microsoft.com/office/thememl/2012/main" name="Office Theme" id="{62F939B6-93AF-4DB8-9C6B-D6C7DFDC589F}" vid="{4A3C46E8-61CC-4603-A589-7422A47A8E4A}"/>
+    </a:ext>
+  </a:extLst>
+</a:theme>
 </file>